--- a/thesis_presentation.pptx
+++ b/thesis_presentation.pptx
@@ -4,8 +4,15 @@
   <p:sldMasterIdLst>
     <p:sldMasterId id="2147483760" r:id="rId1"/>
   </p:sldMasterIdLst>
+  <p:notesMasterIdLst>
+    <p:notesMasterId r:id="rId7"/>
+  </p:notesMasterIdLst>
   <p:sldIdLst>
     <p:sldId id="256" r:id="rId2"/>
+    <p:sldId id="257" r:id="rId3"/>
+    <p:sldId id="258" r:id="rId4"/>
+    <p:sldId id="259" r:id="rId5"/>
+    <p:sldId id="260" r:id="rId6"/>
   </p:sldIdLst>
   <p:sldSz cx="12192000" cy="6858000"/>
   <p:notesSz cx="6858000" cy="9144000"/>
@@ -104,7 +111,3136 @@
       </a:defRPr>
     </a:lvl9pPr>
   </p:defaultTextStyle>
+  <p:extLst>
+    <p:ext uri="{EFAFB233-063F-42B5-8137-9DF3F51BA10A}">
+      <p15:sldGuideLst xmlns:p15="http://schemas.microsoft.com/office/powerpoint/2012/main"/>
+    </p:ext>
+  </p:extLst>
 </p:presentation>
+</file>
+
+<file path=ppt/diagrams/colors1.xml><?xml version="1.0" encoding="utf-8"?>
+<dgm:colorsDef xmlns:dgm="http://schemas.openxmlformats.org/drawingml/2006/diagram" xmlns:a="http://schemas.openxmlformats.org/drawingml/2006/main" uniqueId="urn:microsoft.com/office/officeart/2005/8/colors/accent1_2">
+  <dgm:title val=""/>
+  <dgm:desc val=""/>
+  <dgm:catLst>
+    <dgm:cat type="accent1" pri="11200"/>
+  </dgm:catLst>
+  <dgm:styleLbl name="node0">
+    <dgm:fillClrLst meth="repeat">
+      <a:schemeClr val="accent1"/>
+    </dgm:fillClrLst>
+    <dgm:linClrLst meth="repeat">
+      <a:schemeClr val="lt1"/>
+    </dgm:linClrLst>
+    <dgm:effectClrLst/>
+    <dgm:txLinClrLst/>
+    <dgm:txFillClrLst/>
+    <dgm:txEffectClrLst/>
+  </dgm:styleLbl>
+  <dgm:styleLbl name="alignNode1">
+    <dgm:fillClrLst meth="repeat">
+      <a:schemeClr val="accent1"/>
+    </dgm:fillClrLst>
+    <dgm:linClrLst meth="repeat">
+      <a:schemeClr val="accent1"/>
+    </dgm:linClrLst>
+    <dgm:effectClrLst/>
+    <dgm:txLinClrLst/>
+    <dgm:txFillClrLst/>
+    <dgm:txEffectClrLst/>
+  </dgm:styleLbl>
+  <dgm:styleLbl name="node1">
+    <dgm:fillClrLst meth="repeat">
+      <a:schemeClr val="accent1"/>
+    </dgm:fillClrLst>
+    <dgm:linClrLst meth="repeat">
+      <a:schemeClr val="lt1"/>
+    </dgm:linClrLst>
+    <dgm:effectClrLst/>
+    <dgm:txLinClrLst/>
+    <dgm:txFillClrLst/>
+    <dgm:txEffectClrLst/>
+  </dgm:styleLbl>
+  <dgm:styleLbl name="lnNode1">
+    <dgm:fillClrLst meth="repeat">
+      <a:schemeClr val="accent1"/>
+    </dgm:fillClrLst>
+    <dgm:linClrLst meth="repeat">
+      <a:schemeClr val="lt1"/>
+    </dgm:linClrLst>
+    <dgm:effectClrLst/>
+    <dgm:txLinClrLst/>
+    <dgm:txFillClrLst/>
+    <dgm:txEffectClrLst/>
+  </dgm:styleLbl>
+  <dgm:styleLbl name="vennNode1">
+    <dgm:fillClrLst meth="repeat">
+      <a:schemeClr val="accent1">
+        <a:alpha val="50000"/>
+      </a:schemeClr>
+    </dgm:fillClrLst>
+    <dgm:linClrLst meth="repeat">
+      <a:schemeClr val="lt1"/>
+    </dgm:linClrLst>
+    <dgm:effectClrLst/>
+    <dgm:txLinClrLst/>
+    <dgm:txFillClrLst/>
+    <dgm:txEffectClrLst/>
+  </dgm:styleLbl>
+  <dgm:styleLbl name="node2">
+    <dgm:fillClrLst meth="repeat">
+      <a:schemeClr val="accent1"/>
+    </dgm:fillClrLst>
+    <dgm:linClrLst meth="repeat">
+      <a:schemeClr val="lt1"/>
+    </dgm:linClrLst>
+    <dgm:effectClrLst/>
+    <dgm:txLinClrLst/>
+    <dgm:txFillClrLst/>
+    <dgm:txEffectClrLst/>
+  </dgm:styleLbl>
+  <dgm:styleLbl name="node3">
+    <dgm:fillClrLst meth="repeat">
+      <a:schemeClr val="accent1"/>
+    </dgm:fillClrLst>
+    <dgm:linClrLst meth="repeat">
+      <a:schemeClr val="lt1"/>
+    </dgm:linClrLst>
+    <dgm:effectClrLst/>
+    <dgm:txLinClrLst/>
+    <dgm:txFillClrLst/>
+    <dgm:txEffectClrLst/>
+  </dgm:styleLbl>
+  <dgm:styleLbl name="node4">
+    <dgm:fillClrLst meth="repeat">
+      <a:schemeClr val="accent1"/>
+    </dgm:fillClrLst>
+    <dgm:linClrLst meth="repeat">
+      <a:schemeClr val="lt1"/>
+    </dgm:linClrLst>
+    <dgm:effectClrLst/>
+    <dgm:txLinClrLst/>
+    <dgm:txFillClrLst/>
+    <dgm:txEffectClrLst/>
+  </dgm:styleLbl>
+  <dgm:styleLbl name="fgImgPlace1">
+    <dgm:fillClrLst meth="repeat">
+      <a:schemeClr val="accent1">
+        <a:tint val="50000"/>
+      </a:schemeClr>
+    </dgm:fillClrLst>
+    <dgm:linClrLst meth="repeat">
+      <a:schemeClr val="lt1"/>
+    </dgm:linClrLst>
+    <dgm:effectClrLst/>
+    <dgm:txLinClrLst/>
+    <dgm:txFillClrLst meth="repeat">
+      <a:schemeClr val="lt1"/>
+    </dgm:txFillClrLst>
+    <dgm:txEffectClrLst/>
+  </dgm:styleLbl>
+  <dgm:styleLbl name="alignImgPlace1">
+    <dgm:fillClrLst meth="repeat">
+      <a:schemeClr val="accent1">
+        <a:tint val="50000"/>
+      </a:schemeClr>
+    </dgm:fillClrLst>
+    <dgm:linClrLst meth="repeat">
+      <a:schemeClr val="lt1"/>
+    </dgm:linClrLst>
+    <dgm:effectClrLst/>
+    <dgm:txLinClrLst/>
+    <dgm:txFillClrLst meth="repeat">
+      <a:schemeClr val="lt1"/>
+    </dgm:txFillClrLst>
+    <dgm:txEffectClrLst/>
+  </dgm:styleLbl>
+  <dgm:styleLbl name="bgImgPlace1">
+    <dgm:fillClrLst meth="repeat">
+      <a:schemeClr val="accent1">
+        <a:tint val="50000"/>
+      </a:schemeClr>
+    </dgm:fillClrLst>
+    <dgm:linClrLst meth="repeat">
+      <a:schemeClr val="lt1"/>
+    </dgm:linClrLst>
+    <dgm:effectClrLst/>
+    <dgm:txLinClrLst/>
+    <dgm:txFillClrLst meth="repeat">
+      <a:schemeClr val="lt1"/>
+    </dgm:txFillClrLst>
+    <dgm:txEffectClrLst/>
+  </dgm:styleLbl>
+  <dgm:styleLbl name="sibTrans2D1">
+    <dgm:fillClrLst meth="repeat">
+      <a:schemeClr val="accent1">
+        <a:tint val="60000"/>
+      </a:schemeClr>
+    </dgm:fillClrLst>
+    <dgm:linClrLst meth="repeat">
+      <a:schemeClr val="accent1">
+        <a:tint val="60000"/>
+      </a:schemeClr>
+    </dgm:linClrLst>
+    <dgm:effectClrLst/>
+    <dgm:txLinClrLst/>
+    <dgm:txFillClrLst/>
+    <dgm:txEffectClrLst/>
+  </dgm:styleLbl>
+  <dgm:styleLbl name="fgSibTrans2D1">
+    <dgm:fillClrLst meth="repeat">
+      <a:schemeClr val="accent1">
+        <a:tint val="60000"/>
+      </a:schemeClr>
+    </dgm:fillClrLst>
+    <dgm:linClrLst meth="repeat">
+      <a:schemeClr val="accent1">
+        <a:tint val="60000"/>
+      </a:schemeClr>
+    </dgm:linClrLst>
+    <dgm:effectClrLst/>
+    <dgm:txLinClrLst/>
+    <dgm:txFillClrLst/>
+    <dgm:txEffectClrLst/>
+  </dgm:styleLbl>
+  <dgm:styleLbl name="bgSibTrans2D1">
+    <dgm:fillClrLst meth="repeat">
+      <a:schemeClr val="accent1">
+        <a:tint val="60000"/>
+      </a:schemeClr>
+    </dgm:fillClrLst>
+    <dgm:linClrLst meth="repeat">
+      <a:schemeClr val="accent1">
+        <a:tint val="60000"/>
+      </a:schemeClr>
+    </dgm:linClrLst>
+    <dgm:effectClrLst/>
+    <dgm:txLinClrLst/>
+    <dgm:txFillClrLst/>
+    <dgm:txEffectClrLst/>
+  </dgm:styleLbl>
+  <dgm:styleLbl name="sibTrans1D1">
+    <dgm:fillClrLst meth="repeat">
+      <a:schemeClr val="accent1"/>
+    </dgm:fillClrLst>
+    <dgm:linClrLst meth="repeat">
+      <a:schemeClr val="accent1"/>
+    </dgm:linClrLst>
+    <dgm:effectClrLst/>
+    <dgm:txLinClrLst/>
+    <dgm:txFillClrLst meth="repeat">
+      <a:schemeClr val="tx1"/>
+    </dgm:txFillClrLst>
+    <dgm:txEffectClrLst/>
+  </dgm:styleLbl>
+  <dgm:styleLbl name="callout">
+    <dgm:fillClrLst meth="repeat">
+      <a:schemeClr val="accent1"/>
+    </dgm:fillClrLst>
+    <dgm:linClrLst meth="repeat">
+      <a:schemeClr val="accent1">
+        <a:tint val="50000"/>
+      </a:schemeClr>
+    </dgm:linClrLst>
+    <dgm:effectClrLst/>
+    <dgm:txLinClrLst/>
+    <dgm:txFillClrLst meth="repeat">
+      <a:schemeClr val="tx1"/>
+    </dgm:txFillClrLst>
+    <dgm:txEffectClrLst/>
+  </dgm:styleLbl>
+  <dgm:styleLbl name="asst0">
+    <dgm:fillClrLst meth="repeat">
+      <a:schemeClr val="accent1"/>
+    </dgm:fillClrLst>
+    <dgm:linClrLst meth="repeat">
+      <a:schemeClr val="lt1"/>
+    </dgm:linClrLst>
+    <dgm:effectClrLst/>
+    <dgm:txLinClrLst/>
+    <dgm:txFillClrLst/>
+    <dgm:txEffectClrLst/>
+  </dgm:styleLbl>
+  <dgm:styleLbl name="asst1">
+    <dgm:fillClrLst meth="repeat">
+      <a:schemeClr val="accent1"/>
+    </dgm:fillClrLst>
+    <dgm:linClrLst meth="repeat">
+      <a:schemeClr val="lt1"/>
+    </dgm:linClrLst>
+    <dgm:effectClrLst/>
+    <dgm:txLinClrLst/>
+    <dgm:txFillClrLst/>
+    <dgm:txEffectClrLst/>
+  </dgm:styleLbl>
+  <dgm:styleLbl name="asst2">
+    <dgm:fillClrLst meth="repeat">
+      <a:schemeClr val="accent1"/>
+    </dgm:fillClrLst>
+    <dgm:linClrLst meth="repeat">
+      <a:schemeClr val="lt1"/>
+    </dgm:linClrLst>
+    <dgm:effectClrLst/>
+    <dgm:txLinClrLst/>
+    <dgm:txFillClrLst/>
+    <dgm:txEffectClrLst/>
+  </dgm:styleLbl>
+  <dgm:styleLbl name="asst3">
+    <dgm:fillClrLst meth="repeat">
+      <a:schemeClr val="accent1"/>
+    </dgm:fillClrLst>
+    <dgm:linClrLst meth="repeat">
+      <a:schemeClr val="lt1"/>
+    </dgm:linClrLst>
+    <dgm:effectClrLst/>
+    <dgm:txLinClrLst/>
+    <dgm:txFillClrLst/>
+    <dgm:txEffectClrLst/>
+  </dgm:styleLbl>
+  <dgm:styleLbl name="asst4">
+    <dgm:fillClrLst meth="repeat">
+      <a:schemeClr val="accent1"/>
+    </dgm:fillClrLst>
+    <dgm:linClrLst meth="repeat">
+      <a:schemeClr val="lt1"/>
+    </dgm:linClrLst>
+    <dgm:effectClrLst/>
+    <dgm:txLinClrLst/>
+    <dgm:txFillClrLst/>
+    <dgm:txEffectClrLst/>
+  </dgm:styleLbl>
+  <dgm:styleLbl name="parChTrans2D1">
+    <dgm:fillClrLst meth="repeat">
+      <a:schemeClr val="accent1">
+        <a:tint val="60000"/>
+      </a:schemeClr>
+    </dgm:fillClrLst>
+    <dgm:linClrLst meth="repeat">
+      <a:schemeClr val="accent1">
+        <a:tint val="60000"/>
+      </a:schemeClr>
+    </dgm:linClrLst>
+    <dgm:effectClrLst/>
+    <dgm:txLinClrLst/>
+    <dgm:txFillClrLst meth="repeat">
+      <a:schemeClr val="lt1"/>
+    </dgm:txFillClrLst>
+    <dgm:txEffectClrLst/>
+  </dgm:styleLbl>
+  <dgm:styleLbl name="parChTrans2D2">
+    <dgm:fillClrLst meth="repeat">
+      <a:schemeClr val="accent1"/>
+    </dgm:fillClrLst>
+    <dgm:linClrLst meth="repeat">
+      <a:schemeClr val="accent1"/>
+    </dgm:linClrLst>
+    <dgm:effectClrLst/>
+    <dgm:txLinClrLst/>
+    <dgm:txFillClrLst meth="repeat">
+      <a:schemeClr val="lt1"/>
+    </dgm:txFillClrLst>
+    <dgm:txEffectClrLst/>
+  </dgm:styleLbl>
+  <dgm:styleLbl name="parChTrans2D3">
+    <dgm:fillClrLst meth="repeat">
+      <a:schemeClr val="accent1"/>
+    </dgm:fillClrLst>
+    <dgm:linClrLst meth="repeat">
+      <a:schemeClr val="accent1"/>
+    </dgm:linClrLst>
+    <dgm:effectClrLst/>
+    <dgm:txLinClrLst/>
+    <dgm:txFillClrLst meth="repeat">
+      <a:schemeClr val="lt1"/>
+    </dgm:txFillClrLst>
+    <dgm:txEffectClrLst/>
+  </dgm:styleLbl>
+  <dgm:styleLbl name="parChTrans2D4">
+    <dgm:fillClrLst meth="repeat">
+      <a:schemeClr val="accent1"/>
+    </dgm:fillClrLst>
+    <dgm:linClrLst meth="repeat">
+      <a:schemeClr val="accent1"/>
+    </dgm:linClrLst>
+    <dgm:effectClrLst/>
+    <dgm:txLinClrLst/>
+    <dgm:txFillClrLst meth="repeat">
+      <a:schemeClr val="lt1"/>
+    </dgm:txFillClrLst>
+    <dgm:txEffectClrLst/>
+  </dgm:styleLbl>
+  <dgm:styleLbl name="parChTrans1D1">
+    <dgm:fillClrLst meth="repeat">
+      <a:schemeClr val="accent1"/>
+    </dgm:fillClrLst>
+    <dgm:linClrLst meth="repeat">
+      <a:schemeClr val="accent1">
+        <a:shade val="60000"/>
+      </a:schemeClr>
+    </dgm:linClrLst>
+    <dgm:effectClrLst/>
+    <dgm:txLinClrLst/>
+    <dgm:txFillClrLst meth="repeat">
+      <a:schemeClr val="tx1"/>
+    </dgm:txFillClrLst>
+    <dgm:txEffectClrLst/>
+  </dgm:styleLbl>
+  <dgm:styleLbl name="parChTrans1D2">
+    <dgm:fillClrLst meth="repeat">
+      <a:schemeClr val="accent1"/>
+    </dgm:fillClrLst>
+    <dgm:linClrLst meth="repeat">
+      <a:schemeClr val="accent1">
+        <a:shade val="60000"/>
+      </a:schemeClr>
+    </dgm:linClrLst>
+    <dgm:effectClrLst/>
+    <dgm:txLinClrLst/>
+    <dgm:txFillClrLst meth="repeat">
+      <a:schemeClr val="tx1"/>
+    </dgm:txFillClrLst>
+    <dgm:txEffectClrLst/>
+  </dgm:styleLbl>
+  <dgm:styleLbl name="parChTrans1D3">
+    <dgm:fillClrLst meth="repeat">
+      <a:schemeClr val="accent1"/>
+    </dgm:fillClrLst>
+    <dgm:linClrLst meth="repeat">
+      <a:schemeClr val="accent1">
+        <a:shade val="80000"/>
+      </a:schemeClr>
+    </dgm:linClrLst>
+    <dgm:effectClrLst/>
+    <dgm:txLinClrLst/>
+    <dgm:txFillClrLst meth="repeat">
+      <a:schemeClr val="tx1"/>
+    </dgm:txFillClrLst>
+    <dgm:txEffectClrLst/>
+  </dgm:styleLbl>
+  <dgm:styleLbl name="parChTrans1D4">
+    <dgm:fillClrLst meth="repeat">
+      <a:schemeClr val="accent1"/>
+    </dgm:fillClrLst>
+    <dgm:linClrLst meth="repeat">
+      <a:schemeClr val="accent1">
+        <a:shade val="80000"/>
+      </a:schemeClr>
+    </dgm:linClrLst>
+    <dgm:effectClrLst/>
+    <dgm:txLinClrLst/>
+    <dgm:txFillClrLst meth="repeat">
+      <a:schemeClr val="tx1"/>
+    </dgm:txFillClrLst>
+    <dgm:txEffectClrLst/>
+  </dgm:styleLbl>
+  <dgm:styleLbl name="fgAcc1">
+    <dgm:fillClrLst meth="repeat">
+      <a:schemeClr val="lt1">
+        <a:alpha val="90000"/>
+      </a:schemeClr>
+    </dgm:fillClrLst>
+    <dgm:linClrLst meth="repeat">
+      <a:schemeClr val="accent1"/>
+    </dgm:linClrLst>
+    <dgm:effectClrLst/>
+    <dgm:txLinClrLst/>
+    <dgm:txFillClrLst meth="repeat">
+      <a:schemeClr val="dk1"/>
+    </dgm:txFillClrLst>
+    <dgm:txEffectClrLst/>
+  </dgm:styleLbl>
+  <dgm:styleLbl name="conFgAcc1">
+    <dgm:fillClrLst meth="repeat">
+      <a:schemeClr val="lt1">
+        <a:alpha val="90000"/>
+      </a:schemeClr>
+    </dgm:fillClrLst>
+    <dgm:linClrLst meth="repeat">
+      <a:schemeClr val="accent1"/>
+    </dgm:linClrLst>
+    <dgm:effectClrLst/>
+    <dgm:txLinClrLst/>
+    <dgm:txFillClrLst meth="repeat">
+      <a:schemeClr val="dk1"/>
+    </dgm:txFillClrLst>
+    <dgm:txEffectClrLst/>
+  </dgm:styleLbl>
+  <dgm:styleLbl name="alignAcc1">
+    <dgm:fillClrLst meth="repeat">
+      <a:schemeClr val="lt1">
+        <a:alpha val="90000"/>
+      </a:schemeClr>
+    </dgm:fillClrLst>
+    <dgm:linClrLst meth="repeat">
+      <a:schemeClr val="accent1"/>
+    </dgm:linClrLst>
+    <dgm:effectClrLst/>
+    <dgm:txLinClrLst/>
+    <dgm:txFillClrLst meth="repeat">
+      <a:schemeClr val="dk1"/>
+    </dgm:txFillClrLst>
+    <dgm:txEffectClrLst/>
+  </dgm:styleLbl>
+  <dgm:styleLbl name="trAlignAcc1">
+    <dgm:fillClrLst meth="repeat">
+      <a:schemeClr val="lt1">
+        <a:alpha val="40000"/>
+      </a:schemeClr>
+    </dgm:fillClrLst>
+    <dgm:linClrLst meth="repeat">
+      <a:schemeClr val="accent1"/>
+    </dgm:linClrLst>
+    <dgm:effectClrLst/>
+    <dgm:txLinClrLst/>
+    <dgm:txFillClrLst meth="repeat">
+      <a:schemeClr val="dk1"/>
+    </dgm:txFillClrLst>
+    <dgm:txEffectClrLst/>
+  </dgm:styleLbl>
+  <dgm:styleLbl name="bgAcc1">
+    <dgm:fillClrLst meth="repeat">
+      <a:schemeClr val="lt1">
+        <a:alpha val="90000"/>
+      </a:schemeClr>
+    </dgm:fillClrLst>
+    <dgm:linClrLst meth="repeat">
+      <a:schemeClr val="accent1"/>
+    </dgm:linClrLst>
+    <dgm:effectClrLst/>
+    <dgm:txLinClrLst/>
+    <dgm:txFillClrLst meth="repeat">
+      <a:schemeClr val="dk1"/>
+    </dgm:txFillClrLst>
+    <dgm:txEffectClrLst/>
+  </dgm:styleLbl>
+  <dgm:styleLbl name="solidFgAcc1">
+    <dgm:fillClrLst meth="repeat">
+      <a:schemeClr val="lt1"/>
+    </dgm:fillClrLst>
+    <dgm:linClrLst meth="repeat">
+      <a:schemeClr val="accent1"/>
+    </dgm:linClrLst>
+    <dgm:effectClrLst/>
+    <dgm:txLinClrLst/>
+    <dgm:txFillClrLst meth="repeat">
+      <a:schemeClr val="dk1"/>
+    </dgm:txFillClrLst>
+    <dgm:txEffectClrLst/>
+  </dgm:styleLbl>
+  <dgm:styleLbl name="solidAlignAcc1">
+    <dgm:fillClrLst meth="repeat">
+      <a:schemeClr val="lt1"/>
+    </dgm:fillClrLst>
+    <dgm:linClrLst meth="repeat">
+      <a:schemeClr val="accent1"/>
+    </dgm:linClrLst>
+    <dgm:effectClrLst/>
+    <dgm:txLinClrLst/>
+    <dgm:txFillClrLst meth="repeat">
+      <a:schemeClr val="dk1"/>
+    </dgm:txFillClrLst>
+    <dgm:txEffectClrLst/>
+  </dgm:styleLbl>
+  <dgm:styleLbl name="solidBgAcc1">
+    <dgm:fillClrLst meth="repeat">
+      <a:schemeClr val="lt1"/>
+    </dgm:fillClrLst>
+    <dgm:linClrLst meth="repeat">
+      <a:schemeClr val="accent1"/>
+    </dgm:linClrLst>
+    <dgm:effectClrLst/>
+    <dgm:txLinClrLst/>
+    <dgm:txFillClrLst meth="repeat">
+      <a:schemeClr val="dk1"/>
+    </dgm:txFillClrLst>
+    <dgm:txEffectClrLst/>
+  </dgm:styleLbl>
+  <dgm:styleLbl name="fgAccFollowNode1">
+    <dgm:fillClrLst meth="repeat">
+      <a:schemeClr val="accent1">
+        <a:alpha val="90000"/>
+        <a:tint val="40000"/>
+      </a:schemeClr>
+    </dgm:fillClrLst>
+    <dgm:linClrLst meth="repeat">
+      <a:schemeClr val="accent1">
+        <a:alpha val="90000"/>
+        <a:tint val="40000"/>
+      </a:schemeClr>
+    </dgm:linClrLst>
+    <dgm:effectClrLst/>
+    <dgm:txLinClrLst/>
+    <dgm:txFillClrLst meth="repeat">
+      <a:schemeClr val="dk1"/>
+    </dgm:txFillClrLst>
+    <dgm:txEffectClrLst/>
+  </dgm:styleLbl>
+  <dgm:styleLbl name="alignAccFollowNode1">
+    <dgm:fillClrLst meth="repeat">
+      <a:schemeClr val="accent1">
+        <a:alpha val="90000"/>
+        <a:tint val="40000"/>
+      </a:schemeClr>
+    </dgm:fillClrLst>
+    <dgm:linClrLst meth="repeat">
+      <a:schemeClr val="accent1">
+        <a:alpha val="90000"/>
+        <a:tint val="40000"/>
+      </a:schemeClr>
+    </dgm:linClrLst>
+    <dgm:effectClrLst/>
+    <dgm:txLinClrLst/>
+    <dgm:txFillClrLst meth="repeat">
+      <a:schemeClr val="dk1"/>
+    </dgm:txFillClrLst>
+    <dgm:txEffectClrLst/>
+  </dgm:styleLbl>
+  <dgm:styleLbl name="bgAccFollowNode1">
+    <dgm:fillClrLst meth="repeat">
+      <a:schemeClr val="accent1">
+        <a:alpha val="90000"/>
+        <a:tint val="40000"/>
+      </a:schemeClr>
+    </dgm:fillClrLst>
+    <dgm:linClrLst meth="repeat">
+      <a:schemeClr val="accent1">
+        <a:alpha val="90000"/>
+        <a:tint val="40000"/>
+      </a:schemeClr>
+    </dgm:linClrLst>
+    <dgm:effectClrLst/>
+    <dgm:txLinClrLst/>
+    <dgm:txFillClrLst meth="repeat">
+      <a:schemeClr val="dk1"/>
+    </dgm:txFillClrLst>
+    <dgm:txEffectClrLst/>
+  </dgm:styleLbl>
+  <dgm:styleLbl name="fgAcc0">
+    <dgm:fillClrLst meth="repeat">
+      <a:schemeClr val="lt1">
+        <a:alpha val="90000"/>
+      </a:schemeClr>
+    </dgm:fillClrLst>
+    <dgm:linClrLst meth="repeat">
+      <a:schemeClr val="accent1"/>
+    </dgm:linClrLst>
+    <dgm:effectClrLst/>
+    <dgm:txLinClrLst/>
+    <dgm:txFillClrLst meth="repeat">
+      <a:schemeClr val="dk1"/>
+    </dgm:txFillClrLst>
+    <dgm:txEffectClrLst/>
+  </dgm:styleLbl>
+  <dgm:styleLbl name="fgAcc2">
+    <dgm:fillClrLst meth="repeat">
+      <a:schemeClr val="lt1">
+        <a:alpha val="90000"/>
+      </a:schemeClr>
+    </dgm:fillClrLst>
+    <dgm:linClrLst meth="repeat">
+      <a:schemeClr val="accent1"/>
+    </dgm:linClrLst>
+    <dgm:effectClrLst/>
+    <dgm:txLinClrLst/>
+    <dgm:txFillClrLst meth="repeat">
+      <a:schemeClr val="dk1"/>
+    </dgm:txFillClrLst>
+    <dgm:txEffectClrLst/>
+  </dgm:styleLbl>
+  <dgm:styleLbl name="fgAcc3">
+    <dgm:fillClrLst meth="repeat">
+      <a:schemeClr val="lt1">
+        <a:alpha val="90000"/>
+      </a:schemeClr>
+    </dgm:fillClrLst>
+    <dgm:linClrLst meth="repeat">
+      <a:schemeClr val="accent1"/>
+    </dgm:linClrLst>
+    <dgm:effectClrLst/>
+    <dgm:txLinClrLst/>
+    <dgm:txFillClrLst meth="repeat">
+      <a:schemeClr val="dk1"/>
+    </dgm:txFillClrLst>
+    <dgm:txEffectClrLst/>
+  </dgm:styleLbl>
+  <dgm:styleLbl name="fgAcc4">
+    <dgm:fillClrLst meth="repeat">
+      <a:schemeClr val="lt1">
+        <a:alpha val="90000"/>
+      </a:schemeClr>
+    </dgm:fillClrLst>
+    <dgm:linClrLst meth="repeat">
+      <a:schemeClr val="accent1"/>
+    </dgm:linClrLst>
+    <dgm:effectClrLst/>
+    <dgm:txLinClrLst/>
+    <dgm:txFillClrLst meth="repeat">
+      <a:schemeClr val="dk1"/>
+    </dgm:txFillClrLst>
+    <dgm:txEffectClrLst/>
+  </dgm:styleLbl>
+  <dgm:styleLbl name="bgShp">
+    <dgm:fillClrLst meth="repeat">
+      <a:schemeClr val="accent1">
+        <a:tint val="40000"/>
+      </a:schemeClr>
+    </dgm:fillClrLst>
+    <dgm:linClrLst meth="repeat">
+      <a:schemeClr val="accent1"/>
+    </dgm:linClrLst>
+    <dgm:effectClrLst/>
+    <dgm:txLinClrLst/>
+    <dgm:txFillClrLst meth="repeat">
+      <a:schemeClr val="dk1"/>
+    </dgm:txFillClrLst>
+    <dgm:txEffectClrLst/>
+  </dgm:styleLbl>
+  <dgm:styleLbl name="dkBgShp">
+    <dgm:fillClrLst meth="repeat">
+      <a:schemeClr val="accent1">
+        <a:shade val="80000"/>
+      </a:schemeClr>
+    </dgm:fillClrLst>
+    <dgm:linClrLst meth="repeat">
+      <a:schemeClr val="accent1"/>
+    </dgm:linClrLst>
+    <dgm:effectClrLst/>
+    <dgm:txLinClrLst/>
+    <dgm:txFillClrLst meth="repeat">
+      <a:schemeClr val="lt1"/>
+    </dgm:txFillClrLst>
+    <dgm:txEffectClrLst/>
+  </dgm:styleLbl>
+  <dgm:styleLbl name="trBgShp">
+    <dgm:fillClrLst meth="repeat">
+      <a:schemeClr val="accent1">
+        <a:tint val="50000"/>
+        <a:alpha val="40000"/>
+      </a:schemeClr>
+    </dgm:fillClrLst>
+    <dgm:linClrLst meth="repeat">
+      <a:schemeClr val="accent1"/>
+    </dgm:linClrLst>
+    <dgm:effectClrLst/>
+    <dgm:txLinClrLst/>
+    <dgm:txFillClrLst meth="repeat">
+      <a:schemeClr val="lt1"/>
+    </dgm:txFillClrLst>
+    <dgm:txEffectClrLst/>
+  </dgm:styleLbl>
+  <dgm:styleLbl name="fgShp">
+    <dgm:fillClrLst meth="repeat">
+      <a:schemeClr val="accent1">
+        <a:tint val="60000"/>
+      </a:schemeClr>
+    </dgm:fillClrLst>
+    <dgm:linClrLst meth="repeat">
+      <a:schemeClr val="lt1"/>
+    </dgm:linClrLst>
+    <dgm:effectClrLst/>
+    <dgm:txLinClrLst/>
+    <dgm:txFillClrLst meth="repeat">
+      <a:schemeClr val="dk1"/>
+    </dgm:txFillClrLst>
+    <dgm:txEffectClrLst/>
+  </dgm:styleLbl>
+  <dgm:styleLbl name="revTx">
+    <dgm:fillClrLst meth="repeat">
+      <a:schemeClr val="lt1">
+        <a:alpha val="0"/>
+      </a:schemeClr>
+    </dgm:fillClrLst>
+    <dgm:linClrLst meth="repeat">
+      <a:schemeClr val="dk1">
+        <a:alpha val="0"/>
+      </a:schemeClr>
+    </dgm:linClrLst>
+    <dgm:effectClrLst/>
+    <dgm:txLinClrLst/>
+    <dgm:txFillClrLst meth="repeat">
+      <a:schemeClr val="tx1"/>
+    </dgm:txFillClrLst>
+    <dgm:txEffectClrLst/>
+  </dgm:styleLbl>
+</dgm:colorsDef>
+</file>
+
+<file path=ppt/diagrams/data1.xml><?xml version="1.0" encoding="utf-8"?>
+<dgm:dataModel xmlns:dgm="http://schemas.openxmlformats.org/drawingml/2006/diagram" xmlns:a="http://schemas.openxmlformats.org/drawingml/2006/main">
+  <dgm:ptLst>
+    <dgm:pt modelId="{D36BEB12-DDEB-45DA-B26C-53AD75728267}" type="doc">
+      <dgm:prSet loTypeId="urn:microsoft.com/office/officeart/2016/7/layout/LinearBlockProcessNumbered" loCatId="process" qsTypeId="urn:microsoft.com/office/officeart/2005/8/quickstyle/simple1" qsCatId="simple" csTypeId="urn:microsoft.com/office/officeart/2005/8/colors/accent1_2" csCatId="accent1"/>
+      <dgm:spPr/>
+      <dgm:t>
+        <a:bodyPr/>
+        <a:lstStyle/>
+        <a:p>
+          <a:endParaRPr lang="en-US"/>
+        </a:p>
+      </dgm:t>
+    </dgm:pt>
+    <dgm:pt modelId="{08A4F03D-2FD1-4F84-AD83-6BE9929719C1}">
+      <dgm:prSet/>
+      <dgm:spPr/>
+      <dgm:t>
+        <a:bodyPr/>
+        <a:lstStyle/>
+        <a:p>
+          <a:r>
+            <a:rPr lang="en-GB"/>
+            <a:t>Evolving morphology-controller pairs</a:t>
+          </a:r>
+          <a:endParaRPr lang="en-US"/>
+        </a:p>
+      </dgm:t>
+    </dgm:pt>
+    <dgm:pt modelId="{B206A667-8E84-41F8-ABBD-AF2095D936A0}" type="parTrans" cxnId="{89376033-9007-4BAE-B302-C9DC63FE1B73}">
+      <dgm:prSet/>
+      <dgm:spPr/>
+      <dgm:t>
+        <a:bodyPr/>
+        <a:lstStyle/>
+        <a:p>
+          <a:endParaRPr lang="en-US"/>
+        </a:p>
+      </dgm:t>
+    </dgm:pt>
+    <dgm:pt modelId="{30E802D5-6C0A-4D88-B166-7F71DFFB25D3}" type="sibTrans" cxnId="{89376033-9007-4BAE-B302-C9DC63FE1B73}">
+      <dgm:prSet phldrT="01" phldr="0"/>
+      <dgm:spPr/>
+      <dgm:t>
+        <a:bodyPr/>
+        <a:lstStyle/>
+        <a:p>
+          <a:r>
+            <a:rPr lang="en-US"/>
+            <a:t>01</a:t>
+          </a:r>
+        </a:p>
+      </dgm:t>
+    </dgm:pt>
+    <dgm:pt modelId="{6254556B-8727-4BD3-B278-3933415CEFDB}">
+      <dgm:prSet/>
+      <dgm:spPr/>
+      <dgm:t>
+        <a:bodyPr/>
+        <a:lstStyle/>
+        <a:p>
+          <a:r>
+            <a:rPr lang="en-US"/>
+            <a:t>Evolving generalist </a:t>
+          </a:r>
+          <a:r>
+            <a:rPr lang="en-GB"/>
+            <a:t>morphology-controller pairs</a:t>
+          </a:r>
+          <a:endParaRPr lang="en-US"/>
+        </a:p>
+      </dgm:t>
+    </dgm:pt>
+    <dgm:pt modelId="{B915157A-D614-4189-B454-85E45E0FFB07}" type="parTrans" cxnId="{D936326B-C24B-4963-8985-E586608F0B04}">
+      <dgm:prSet/>
+      <dgm:spPr/>
+      <dgm:t>
+        <a:bodyPr/>
+        <a:lstStyle/>
+        <a:p>
+          <a:endParaRPr lang="en-US"/>
+        </a:p>
+      </dgm:t>
+    </dgm:pt>
+    <dgm:pt modelId="{B89EB1AD-8D6E-46B2-A142-9625540D3C59}" type="sibTrans" cxnId="{D936326B-C24B-4963-8985-E586608F0B04}">
+      <dgm:prSet phldrT="02" phldr="0"/>
+      <dgm:spPr/>
+      <dgm:t>
+        <a:bodyPr/>
+        <a:lstStyle/>
+        <a:p>
+          <a:r>
+            <a:rPr lang="en-US"/>
+            <a:t>02</a:t>
+          </a:r>
+        </a:p>
+      </dgm:t>
+    </dgm:pt>
+    <dgm:pt modelId="{127BBC22-9B15-4426-96D1-359D05F26798}" type="pres">
+      <dgm:prSet presAssocID="{D36BEB12-DDEB-45DA-B26C-53AD75728267}" presName="Name0" presStyleCnt="0">
+        <dgm:presLayoutVars>
+          <dgm:animLvl val="lvl"/>
+          <dgm:resizeHandles val="exact"/>
+        </dgm:presLayoutVars>
+      </dgm:prSet>
+      <dgm:spPr/>
+    </dgm:pt>
+    <dgm:pt modelId="{D82494D6-8F6C-45AF-B6F5-32A860A98EF0}" type="pres">
+      <dgm:prSet presAssocID="{08A4F03D-2FD1-4F84-AD83-6BE9929719C1}" presName="compositeNode" presStyleCnt="0">
+        <dgm:presLayoutVars>
+          <dgm:bulletEnabled val="1"/>
+        </dgm:presLayoutVars>
+      </dgm:prSet>
+      <dgm:spPr/>
+    </dgm:pt>
+    <dgm:pt modelId="{D4967430-B112-4FA0-BD74-ADD527B7471C}" type="pres">
+      <dgm:prSet presAssocID="{08A4F03D-2FD1-4F84-AD83-6BE9929719C1}" presName="bgRect" presStyleLbl="alignNode1" presStyleIdx="0" presStyleCnt="2"/>
+      <dgm:spPr/>
+    </dgm:pt>
+    <dgm:pt modelId="{CD630E7D-D5EF-4FA6-9FCA-6857879ACDEE}" type="pres">
+      <dgm:prSet presAssocID="{30E802D5-6C0A-4D88-B166-7F71DFFB25D3}" presName="sibTransNodeRect" presStyleLbl="alignNode1" presStyleIdx="0" presStyleCnt="2">
+        <dgm:presLayoutVars>
+          <dgm:chMax val="0"/>
+          <dgm:bulletEnabled val="1"/>
+        </dgm:presLayoutVars>
+      </dgm:prSet>
+      <dgm:spPr/>
+    </dgm:pt>
+    <dgm:pt modelId="{6E40A6DF-E987-492B-ABE7-00C7B0956365}" type="pres">
+      <dgm:prSet presAssocID="{08A4F03D-2FD1-4F84-AD83-6BE9929719C1}" presName="nodeRect" presStyleLbl="alignNode1" presStyleIdx="0" presStyleCnt="2">
+        <dgm:presLayoutVars>
+          <dgm:bulletEnabled val="1"/>
+        </dgm:presLayoutVars>
+      </dgm:prSet>
+      <dgm:spPr/>
+    </dgm:pt>
+    <dgm:pt modelId="{5DC7F4B3-8D95-45B4-9AA4-ED1886B45CB0}" type="pres">
+      <dgm:prSet presAssocID="{30E802D5-6C0A-4D88-B166-7F71DFFB25D3}" presName="sibTrans" presStyleCnt="0"/>
+      <dgm:spPr/>
+    </dgm:pt>
+    <dgm:pt modelId="{F5B57E9D-E3E1-42F2-B683-45563AD1AFBA}" type="pres">
+      <dgm:prSet presAssocID="{6254556B-8727-4BD3-B278-3933415CEFDB}" presName="compositeNode" presStyleCnt="0">
+        <dgm:presLayoutVars>
+          <dgm:bulletEnabled val="1"/>
+        </dgm:presLayoutVars>
+      </dgm:prSet>
+      <dgm:spPr/>
+    </dgm:pt>
+    <dgm:pt modelId="{D91AF3A4-3101-4FFF-8D2B-44B784A1BA92}" type="pres">
+      <dgm:prSet presAssocID="{6254556B-8727-4BD3-B278-3933415CEFDB}" presName="bgRect" presStyleLbl="alignNode1" presStyleIdx="1" presStyleCnt="2"/>
+      <dgm:spPr/>
+    </dgm:pt>
+    <dgm:pt modelId="{54BC7ECC-1048-4B95-B9D2-18756F1B79FB}" type="pres">
+      <dgm:prSet presAssocID="{B89EB1AD-8D6E-46B2-A142-9625540D3C59}" presName="sibTransNodeRect" presStyleLbl="alignNode1" presStyleIdx="1" presStyleCnt="2">
+        <dgm:presLayoutVars>
+          <dgm:chMax val="0"/>
+          <dgm:bulletEnabled val="1"/>
+        </dgm:presLayoutVars>
+      </dgm:prSet>
+      <dgm:spPr/>
+    </dgm:pt>
+    <dgm:pt modelId="{4938E8E7-B976-45DB-9B09-BF26CB665E1C}" type="pres">
+      <dgm:prSet presAssocID="{6254556B-8727-4BD3-B278-3933415CEFDB}" presName="nodeRect" presStyleLbl="alignNode1" presStyleIdx="1" presStyleCnt="2">
+        <dgm:presLayoutVars>
+          <dgm:bulletEnabled val="1"/>
+        </dgm:presLayoutVars>
+      </dgm:prSet>
+      <dgm:spPr/>
+    </dgm:pt>
+  </dgm:ptLst>
+  <dgm:cxnLst>
+    <dgm:cxn modelId="{89376033-9007-4BAE-B302-C9DC63FE1B73}" srcId="{D36BEB12-DDEB-45DA-B26C-53AD75728267}" destId="{08A4F03D-2FD1-4F84-AD83-6BE9929719C1}" srcOrd="0" destOrd="0" parTransId="{B206A667-8E84-41F8-ABBD-AF2095D936A0}" sibTransId="{30E802D5-6C0A-4D88-B166-7F71DFFB25D3}"/>
+    <dgm:cxn modelId="{F00A685B-647D-43C1-8520-798B756FBA8D}" type="presOf" srcId="{30E802D5-6C0A-4D88-B166-7F71DFFB25D3}" destId="{CD630E7D-D5EF-4FA6-9FCA-6857879ACDEE}" srcOrd="0" destOrd="0" presId="urn:microsoft.com/office/officeart/2016/7/layout/LinearBlockProcessNumbered"/>
+    <dgm:cxn modelId="{D936326B-C24B-4963-8985-E586608F0B04}" srcId="{D36BEB12-DDEB-45DA-B26C-53AD75728267}" destId="{6254556B-8727-4BD3-B278-3933415CEFDB}" srcOrd="1" destOrd="0" parTransId="{B915157A-D614-4189-B454-85E45E0FFB07}" sibTransId="{B89EB1AD-8D6E-46B2-A142-9625540D3C59}"/>
+    <dgm:cxn modelId="{99A6A44B-8423-4D36-91F4-F6388A81FE07}" type="presOf" srcId="{08A4F03D-2FD1-4F84-AD83-6BE9929719C1}" destId="{6E40A6DF-E987-492B-ABE7-00C7B0956365}" srcOrd="1" destOrd="0" presId="urn:microsoft.com/office/officeart/2016/7/layout/LinearBlockProcessNumbered"/>
+    <dgm:cxn modelId="{B45F4D71-EF74-4573-9546-F6F776EADA7E}" type="presOf" srcId="{B89EB1AD-8D6E-46B2-A142-9625540D3C59}" destId="{54BC7ECC-1048-4B95-B9D2-18756F1B79FB}" srcOrd="0" destOrd="0" presId="urn:microsoft.com/office/officeart/2016/7/layout/LinearBlockProcessNumbered"/>
+    <dgm:cxn modelId="{6E438C8B-9D91-4006-A78C-662BF55A61DE}" type="presOf" srcId="{D36BEB12-DDEB-45DA-B26C-53AD75728267}" destId="{127BBC22-9B15-4426-96D1-359D05F26798}" srcOrd="0" destOrd="0" presId="urn:microsoft.com/office/officeart/2016/7/layout/LinearBlockProcessNumbered"/>
+    <dgm:cxn modelId="{B91CB78C-4474-412B-ADA8-382F9AF6D81F}" type="presOf" srcId="{6254556B-8727-4BD3-B278-3933415CEFDB}" destId="{4938E8E7-B976-45DB-9B09-BF26CB665E1C}" srcOrd="1" destOrd="0" presId="urn:microsoft.com/office/officeart/2016/7/layout/LinearBlockProcessNumbered"/>
+    <dgm:cxn modelId="{63B7A4A8-A56B-4A31-972F-767B9B832CA2}" type="presOf" srcId="{08A4F03D-2FD1-4F84-AD83-6BE9929719C1}" destId="{D4967430-B112-4FA0-BD74-ADD527B7471C}" srcOrd="0" destOrd="0" presId="urn:microsoft.com/office/officeart/2016/7/layout/LinearBlockProcessNumbered"/>
+    <dgm:cxn modelId="{3074F6D7-8821-419D-A231-F952857DED2D}" type="presOf" srcId="{6254556B-8727-4BD3-B278-3933415CEFDB}" destId="{D91AF3A4-3101-4FFF-8D2B-44B784A1BA92}" srcOrd="0" destOrd="0" presId="urn:microsoft.com/office/officeart/2016/7/layout/LinearBlockProcessNumbered"/>
+    <dgm:cxn modelId="{436ABDC1-12A6-4148-A593-0FA253BBA766}" type="presParOf" srcId="{127BBC22-9B15-4426-96D1-359D05F26798}" destId="{D82494D6-8F6C-45AF-B6F5-32A860A98EF0}" srcOrd="0" destOrd="0" presId="urn:microsoft.com/office/officeart/2016/7/layout/LinearBlockProcessNumbered"/>
+    <dgm:cxn modelId="{3183B379-EBF2-416D-8989-0FDF39C78FF5}" type="presParOf" srcId="{D82494D6-8F6C-45AF-B6F5-32A860A98EF0}" destId="{D4967430-B112-4FA0-BD74-ADD527B7471C}" srcOrd="0" destOrd="0" presId="urn:microsoft.com/office/officeart/2016/7/layout/LinearBlockProcessNumbered"/>
+    <dgm:cxn modelId="{73E076D0-EB76-40DF-95CA-69A7EA56942F}" type="presParOf" srcId="{D82494D6-8F6C-45AF-B6F5-32A860A98EF0}" destId="{CD630E7D-D5EF-4FA6-9FCA-6857879ACDEE}" srcOrd="1" destOrd="0" presId="urn:microsoft.com/office/officeart/2016/7/layout/LinearBlockProcessNumbered"/>
+    <dgm:cxn modelId="{9A354377-BC0F-4AD2-97AD-579C2CA55495}" type="presParOf" srcId="{D82494D6-8F6C-45AF-B6F5-32A860A98EF0}" destId="{6E40A6DF-E987-492B-ABE7-00C7B0956365}" srcOrd="2" destOrd="0" presId="urn:microsoft.com/office/officeart/2016/7/layout/LinearBlockProcessNumbered"/>
+    <dgm:cxn modelId="{634174D5-B5E1-46CC-A78F-79CB13EB3B37}" type="presParOf" srcId="{127BBC22-9B15-4426-96D1-359D05F26798}" destId="{5DC7F4B3-8D95-45B4-9AA4-ED1886B45CB0}" srcOrd="1" destOrd="0" presId="urn:microsoft.com/office/officeart/2016/7/layout/LinearBlockProcessNumbered"/>
+    <dgm:cxn modelId="{9F22FEF5-784F-4283-A88E-BF3C1A5FED8F}" type="presParOf" srcId="{127BBC22-9B15-4426-96D1-359D05F26798}" destId="{F5B57E9D-E3E1-42F2-B683-45563AD1AFBA}" srcOrd="2" destOrd="0" presId="urn:microsoft.com/office/officeart/2016/7/layout/LinearBlockProcessNumbered"/>
+    <dgm:cxn modelId="{13B93DF0-1681-4516-957A-C9DE6D20058A}" type="presParOf" srcId="{F5B57E9D-E3E1-42F2-B683-45563AD1AFBA}" destId="{D91AF3A4-3101-4FFF-8D2B-44B784A1BA92}" srcOrd="0" destOrd="0" presId="urn:microsoft.com/office/officeart/2016/7/layout/LinearBlockProcessNumbered"/>
+    <dgm:cxn modelId="{112BACB4-5BA8-4793-BDFC-B40F4F57891C}" type="presParOf" srcId="{F5B57E9D-E3E1-42F2-B683-45563AD1AFBA}" destId="{54BC7ECC-1048-4B95-B9D2-18756F1B79FB}" srcOrd="1" destOrd="0" presId="urn:microsoft.com/office/officeart/2016/7/layout/LinearBlockProcessNumbered"/>
+    <dgm:cxn modelId="{90F333D4-B4A6-4699-A8DA-C7190E58A3E2}" type="presParOf" srcId="{F5B57E9D-E3E1-42F2-B683-45563AD1AFBA}" destId="{4938E8E7-B976-45DB-9B09-BF26CB665E1C}" srcOrd="2" destOrd="0" presId="urn:microsoft.com/office/officeart/2016/7/layout/LinearBlockProcessNumbered"/>
+  </dgm:cxnLst>
+  <dgm:bg/>
+  <dgm:whole/>
+  <dgm:extLst>
+    <a:ext uri="http://schemas.microsoft.com/office/drawing/2008/diagram">
+      <dsp:dataModelExt xmlns:dsp="http://schemas.microsoft.com/office/drawing/2008/diagram" relId="rId7" minVer="http://schemas.openxmlformats.org/drawingml/2006/diagram"/>
+    </a:ext>
+  </dgm:extLst>
+</dgm:dataModel>
+</file>
+
+<file path=ppt/diagrams/drawing1.xml><?xml version="1.0" encoding="utf-8"?>
+<dsp:drawing xmlns:dgm="http://schemas.openxmlformats.org/drawingml/2006/diagram" xmlns:dsp="http://schemas.microsoft.com/office/drawing/2008/diagram" xmlns:a="http://schemas.openxmlformats.org/drawingml/2006/main">
+  <dsp:spTree>
+    <dsp:nvGrpSpPr>
+      <dsp:cNvPr id="0" name=""/>
+      <dsp:cNvGrpSpPr/>
+    </dsp:nvGrpSpPr>
+    <dsp:grpSpPr/>
+    <dsp:sp modelId="{D4967430-B112-4FA0-BD74-ADD527B7471C}">
+      <dsp:nvSpPr>
+        <dsp:cNvPr id="0" name=""/>
+        <dsp:cNvSpPr/>
+      </dsp:nvSpPr>
+      <dsp:spPr>
+        <a:xfrm>
+          <a:off x="1419" y="1386851"/>
+          <a:ext cx="2182864" cy="2619437"/>
+        </a:xfrm>
+        <a:prstGeom prst="rect">
+          <a:avLst/>
+        </a:prstGeom>
+        <a:solidFill>
+          <a:schemeClr val="accent1">
+            <a:hueOff val="0"/>
+            <a:satOff val="0"/>
+            <a:lumOff val="0"/>
+            <a:alphaOff val="0"/>
+          </a:schemeClr>
+        </a:solidFill>
+        <a:ln w="12700" cap="flat" cmpd="sng" algn="ctr">
+          <a:solidFill>
+            <a:schemeClr val="accent1">
+              <a:hueOff val="0"/>
+              <a:satOff val="0"/>
+              <a:lumOff val="0"/>
+              <a:alphaOff val="0"/>
+            </a:schemeClr>
+          </a:solidFill>
+          <a:prstDash val="solid"/>
+          <a:miter lim="800000"/>
+        </a:ln>
+        <a:effectLst/>
+      </dsp:spPr>
+      <dsp:style>
+        <a:lnRef idx="2">
+          <a:scrgbClr r="0" g="0" b="0"/>
+        </a:lnRef>
+        <a:fillRef idx="1">
+          <a:scrgbClr r="0" g="0" b="0"/>
+        </a:fillRef>
+        <a:effectRef idx="0">
+          <a:scrgbClr r="0" g="0" b="0"/>
+        </a:effectRef>
+        <a:fontRef idx="minor">
+          <a:schemeClr val="lt1"/>
+        </a:fontRef>
+      </dsp:style>
+      <dsp:txBody>
+        <a:bodyPr spcFirstLastPara="0" vert="horz" wrap="square" lIns="215618" tIns="0" rIns="215618" bIns="330200" numCol="1" spcCol="1270" anchor="t" anchorCtr="0">
+          <a:noAutofit/>
+        </a:bodyPr>
+        <a:lstStyle/>
+        <a:p>
+          <a:pPr marL="0" lvl="0" indent="0" algn="l" defTabSz="933450">
+            <a:lnSpc>
+              <a:spcPct val="90000"/>
+            </a:lnSpc>
+            <a:spcBef>
+              <a:spcPct val="0"/>
+            </a:spcBef>
+            <a:spcAft>
+              <a:spcPct val="35000"/>
+            </a:spcAft>
+            <a:buNone/>
+          </a:pPr>
+          <a:r>
+            <a:rPr lang="en-GB" sz="2100" kern="1200"/>
+            <a:t>Evolving morphology-controller pairs</a:t>
+          </a:r>
+          <a:endParaRPr lang="en-US" sz="2100" kern="1200"/>
+        </a:p>
+      </dsp:txBody>
+      <dsp:txXfrm>
+        <a:off x="1419" y="2434626"/>
+        <a:ext cx="2182864" cy="1571662"/>
+      </dsp:txXfrm>
+    </dsp:sp>
+    <dsp:sp modelId="{CD630E7D-D5EF-4FA6-9FCA-6857879ACDEE}">
+      <dsp:nvSpPr>
+        <dsp:cNvPr id="0" name=""/>
+        <dsp:cNvSpPr/>
+      </dsp:nvSpPr>
+      <dsp:spPr>
+        <a:xfrm>
+          <a:off x="1419" y="1386851"/>
+          <a:ext cx="2182864" cy="1047774"/>
+        </a:xfrm>
+        <a:prstGeom prst="rect">
+          <a:avLst/>
+        </a:prstGeom>
+        <a:noFill/>
+        <a:ln w="12700" cap="flat" cmpd="sng" algn="ctr">
+          <a:noFill/>
+          <a:prstDash val="solid"/>
+          <a:miter lim="800000"/>
+        </a:ln>
+        <a:effectLst/>
+        <a:sp3d/>
+      </dsp:spPr>
+      <dsp:style>
+        <a:lnRef idx="2">
+          <a:scrgbClr r="0" g="0" b="0"/>
+        </a:lnRef>
+        <a:fillRef idx="1">
+          <a:scrgbClr r="0" g="0" b="0"/>
+        </a:fillRef>
+        <a:effectRef idx="0">
+          <a:scrgbClr r="0" g="0" b="0"/>
+        </a:effectRef>
+        <a:fontRef idx="minor">
+          <a:schemeClr val="lt1"/>
+        </a:fontRef>
+      </dsp:style>
+      <dsp:txBody>
+        <a:bodyPr spcFirstLastPara="0" vert="horz" wrap="square" lIns="215618" tIns="165100" rIns="215618" bIns="165100" numCol="1" spcCol="1270" anchor="ctr" anchorCtr="0">
+          <a:noAutofit/>
+        </a:bodyPr>
+        <a:lstStyle/>
+        <a:p>
+          <a:pPr marL="0" lvl="0" indent="0" algn="l" defTabSz="2311400">
+            <a:lnSpc>
+              <a:spcPct val="90000"/>
+            </a:lnSpc>
+            <a:spcBef>
+              <a:spcPct val="0"/>
+            </a:spcBef>
+            <a:spcAft>
+              <a:spcPct val="35000"/>
+            </a:spcAft>
+            <a:buNone/>
+          </a:pPr>
+          <a:r>
+            <a:rPr lang="en-US" sz="5200" kern="1200"/>
+            <a:t>01</a:t>
+          </a:r>
+        </a:p>
+      </dsp:txBody>
+      <dsp:txXfrm>
+        <a:off x="1419" y="1386851"/>
+        <a:ext cx="2182864" cy="1047774"/>
+      </dsp:txXfrm>
+    </dsp:sp>
+    <dsp:sp modelId="{D91AF3A4-3101-4FFF-8D2B-44B784A1BA92}">
+      <dsp:nvSpPr>
+        <dsp:cNvPr id="0" name=""/>
+        <dsp:cNvSpPr/>
+      </dsp:nvSpPr>
+      <dsp:spPr>
+        <a:xfrm>
+          <a:off x="2358913" y="1386851"/>
+          <a:ext cx="2182864" cy="2619437"/>
+        </a:xfrm>
+        <a:prstGeom prst="rect">
+          <a:avLst/>
+        </a:prstGeom>
+        <a:solidFill>
+          <a:schemeClr val="accent1">
+            <a:hueOff val="0"/>
+            <a:satOff val="0"/>
+            <a:lumOff val="0"/>
+            <a:alphaOff val="0"/>
+          </a:schemeClr>
+        </a:solidFill>
+        <a:ln w="12700" cap="flat" cmpd="sng" algn="ctr">
+          <a:solidFill>
+            <a:schemeClr val="accent1">
+              <a:hueOff val="0"/>
+              <a:satOff val="0"/>
+              <a:lumOff val="0"/>
+              <a:alphaOff val="0"/>
+            </a:schemeClr>
+          </a:solidFill>
+          <a:prstDash val="solid"/>
+          <a:miter lim="800000"/>
+        </a:ln>
+        <a:effectLst/>
+      </dsp:spPr>
+      <dsp:style>
+        <a:lnRef idx="2">
+          <a:scrgbClr r="0" g="0" b="0"/>
+        </a:lnRef>
+        <a:fillRef idx="1">
+          <a:scrgbClr r="0" g="0" b="0"/>
+        </a:fillRef>
+        <a:effectRef idx="0">
+          <a:scrgbClr r="0" g="0" b="0"/>
+        </a:effectRef>
+        <a:fontRef idx="minor">
+          <a:schemeClr val="lt1"/>
+        </a:fontRef>
+      </dsp:style>
+      <dsp:txBody>
+        <a:bodyPr spcFirstLastPara="0" vert="horz" wrap="square" lIns="215618" tIns="0" rIns="215618" bIns="330200" numCol="1" spcCol="1270" anchor="t" anchorCtr="0">
+          <a:noAutofit/>
+        </a:bodyPr>
+        <a:lstStyle/>
+        <a:p>
+          <a:pPr marL="0" lvl="0" indent="0" algn="l" defTabSz="933450">
+            <a:lnSpc>
+              <a:spcPct val="90000"/>
+            </a:lnSpc>
+            <a:spcBef>
+              <a:spcPct val="0"/>
+            </a:spcBef>
+            <a:spcAft>
+              <a:spcPct val="35000"/>
+            </a:spcAft>
+            <a:buNone/>
+          </a:pPr>
+          <a:r>
+            <a:rPr lang="en-US" sz="2100" kern="1200"/>
+            <a:t>Evolving generalist </a:t>
+          </a:r>
+          <a:r>
+            <a:rPr lang="en-GB" sz="2100" kern="1200"/>
+            <a:t>morphology-controller pairs</a:t>
+          </a:r>
+          <a:endParaRPr lang="en-US" sz="2100" kern="1200"/>
+        </a:p>
+      </dsp:txBody>
+      <dsp:txXfrm>
+        <a:off x="2358913" y="2434626"/>
+        <a:ext cx="2182864" cy="1571662"/>
+      </dsp:txXfrm>
+    </dsp:sp>
+    <dsp:sp modelId="{54BC7ECC-1048-4B95-B9D2-18756F1B79FB}">
+      <dsp:nvSpPr>
+        <dsp:cNvPr id="0" name=""/>
+        <dsp:cNvSpPr/>
+      </dsp:nvSpPr>
+      <dsp:spPr>
+        <a:xfrm>
+          <a:off x="2358913" y="1386851"/>
+          <a:ext cx="2182864" cy="1047774"/>
+        </a:xfrm>
+        <a:prstGeom prst="rect">
+          <a:avLst/>
+        </a:prstGeom>
+        <a:noFill/>
+        <a:ln w="12700" cap="flat" cmpd="sng" algn="ctr">
+          <a:noFill/>
+          <a:prstDash val="solid"/>
+          <a:miter lim="800000"/>
+        </a:ln>
+        <a:effectLst/>
+        <a:sp3d/>
+      </dsp:spPr>
+      <dsp:style>
+        <a:lnRef idx="2">
+          <a:scrgbClr r="0" g="0" b="0"/>
+        </a:lnRef>
+        <a:fillRef idx="1">
+          <a:scrgbClr r="0" g="0" b="0"/>
+        </a:fillRef>
+        <a:effectRef idx="0">
+          <a:scrgbClr r="0" g="0" b="0"/>
+        </a:effectRef>
+        <a:fontRef idx="minor">
+          <a:schemeClr val="lt1"/>
+        </a:fontRef>
+      </dsp:style>
+      <dsp:txBody>
+        <a:bodyPr spcFirstLastPara="0" vert="horz" wrap="square" lIns="215618" tIns="165100" rIns="215618" bIns="165100" numCol="1" spcCol="1270" anchor="ctr" anchorCtr="0">
+          <a:noAutofit/>
+        </a:bodyPr>
+        <a:lstStyle/>
+        <a:p>
+          <a:pPr marL="0" lvl="0" indent="0" algn="l" defTabSz="2311400">
+            <a:lnSpc>
+              <a:spcPct val="90000"/>
+            </a:lnSpc>
+            <a:spcBef>
+              <a:spcPct val="0"/>
+            </a:spcBef>
+            <a:spcAft>
+              <a:spcPct val="35000"/>
+            </a:spcAft>
+            <a:buNone/>
+          </a:pPr>
+          <a:r>
+            <a:rPr lang="en-US" sz="5200" kern="1200"/>
+            <a:t>02</a:t>
+          </a:r>
+        </a:p>
+      </dsp:txBody>
+      <dsp:txXfrm>
+        <a:off x="2358913" y="1386851"/>
+        <a:ext cx="2182864" cy="1047774"/>
+      </dsp:txXfrm>
+    </dsp:sp>
+  </dsp:spTree>
+</dsp:drawing>
+</file>
+
+<file path=ppt/diagrams/layout1.xml><?xml version="1.0" encoding="utf-8"?>
+<dgm:layoutDef xmlns:dgm="http://schemas.openxmlformats.org/drawingml/2006/diagram" xmlns:a="http://schemas.openxmlformats.org/drawingml/2006/main" uniqueId="urn:microsoft.com/office/officeart/2016/7/layout/LinearBlockProcessNumbered">
+  <dgm:title val="Linear Block Process Numbered"/>
+  <dgm:desc val="Used to show a progression; a timeline; sequential steps in a task, process, or workflow; or to emphasize movement or direction. Automatic numbers have been introduced to show the steps of the process. Level 1 text and Level 2 text both appears in a rectangle."/>
+  <dgm:catLst>
+    <dgm:cat type="process" pri="500"/>
+  </dgm:catLst>
+  <dgm:sampData>
+    <dgm:dataModel>
+      <dgm:ptLst>
+        <dgm:pt modelId="0" type="doc"/>
+        <dgm:pt modelId="1">
+          <dgm:prSet phldr="1"/>
+        </dgm:pt>
+        <dgm:pt modelId="11">
+          <dgm:prSet phldr="1"/>
+        </dgm:pt>
+        <dgm:pt modelId="2">
+          <dgm:prSet phldr="1"/>
+        </dgm:pt>
+        <dgm:pt modelId="21">
+          <dgm:prSet phldr="1"/>
+        </dgm:pt>
+        <dgm:pt modelId="3">
+          <dgm:prSet phldr="1"/>
+        </dgm:pt>
+        <dgm:pt modelId="31">
+          <dgm:prSet phldr="1"/>
+        </dgm:pt>
+        <dgm:pt modelId="101" type="sibTrans" cxnId="4">
+          <dgm:prSet phldrT="1"/>
+          <dgm:t>
+            <a:bodyPr/>
+            <a:lstStyle/>
+            <a:p>
+              <a:r>
+                <a:t>01</a:t>
+              </a:r>
+            </a:p>
+          </dgm:t>
+        </dgm:pt>
+        <dgm:pt modelId="201" type="sibTrans" cxnId="5">
+          <dgm:prSet phldrT="2"/>
+          <dgm:t>
+            <a:bodyPr/>
+            <a:lstStyle/>
+            <a:p>
+              <a:r>
+                <a:t>02</a:t>
+              </a:r>
+            </a:p>
+          </dgm:t>
+        </dgm:pt>
+        <dgm:pt modelId="301" type="sibTrans" cxnId="6">
+          <dgm:prSet phldrT="3"/>
+          <dgm:t>
+            <a:bodyPr/>
+            <a:lstStyle/>
+            <a:p>
+              <a:r>
+                <a:t>03</a:t>
+              </a:r>
+            </a:p>
+          </dgm:t>
+        </dgm:pt>
+      </dgm:ptLst>
+      <dgm:cxnLst>
+        <dgm:cxn modelId="4" srcId="0" destId="1" srcOrd="0" destOrd="0" sibTransId="101"/>
+        <dgm:cxn modelId="5" srcId="0" destId="2" srcOrd="1" destOrd="0" sibTransId="201"/>
+        <dgm:cxn modelId="6" srcId="0" destId="3" srcOrd="2" destOrd="0" sibTransId="301"/>
+        <dgm:cxn modelId="13" srcId="1" destId="11" srcOrd="0" destOrd="0"/>
+        <dgm:cxn modelId="23" srcId="2" destId="21" srcOrd="0" destOrd="0"/>
+        <dgm:cxn modelId="33" srcId="3" destId="31" srcOrd="0" destOrd="0"/>
+      </dgm:cxnLst>
+      <dgm:bg/>
+      <dgm:whole/>
+    </dgm:dataModel>
+  </dgm:sampData>
+  <dgm:styleData>
+    <dgm:dataModel>
+      <dgm:ptLst>
+        <dgm:pt modelId="0" type="doc"/>
+        <dgm:pt modelId="1"/>
+        <dgm:pt modelId="11"/>
+        <dgm:pt modelId="2"/>
+        <dgm:pt modelId="21"/>
+      </dgm:ptLst>
+      <dgm:cxnLst>
+        <dgm:cxn modelId="4" srcId="0" destId="1" srcOrd="0" destOrd="0"/>
+        <dgm:cxn modelId="5" srcId="0" destId="2" srcOrd="1" destOrd="0"/>
+        <dgm:cxn modelId="13" srcId="1" destId="11" srcOrd="0" destOrd="0"/>
+        <dgm:cxn modelId="23" srcId="2" destId="21" srcOrd="0" destOrd="0"/>
+      </dgm:cxnLst>
+      <dgm:bg/>
+      <dgm:whole/>
+    </dgm:dataModel>
+  </dgm:styleData>
+  <dgm:clrData>
+    <dgm:dataModel>
+      <dgm:ptLst>
+        <dgm:pt modelId="0" type="doc"/>
+        <dgm:pt modelId="1"/>
+        <dgm:pt modelId="11"/>
+        <dgm:pt modelId="2"/>
+        <dgm:pt modelId="21"/>
+        <dgm:pt modelId="3"/>
+        <dgm:pt modelId="31"/>
+        <dgm:pt modelId="4"/>
+        <dgm:pt modelId="41"/>
+      </dgm:ptLst>
+      <dgm:cxnLst>
+        <dgm:cxn modelId="5" srcId="0" destId="1" srcOrd="0" destOrd="0"/>
+        <dgm:cxn modelId="6" srcId="0" destId="2" srcOrd="1" destOrd="0"/>
+        <dgm:cxn modelId="7" srcId="0" destId="3" srcOrd="2" destOrd="0"/>
+        <dgm:cxn modelId="8" srcId="0" destId="4" srcOrd="3" destOrd="0"/>
+        <dgm:cxn modelId="13" srcId="1" destId="11" srcOrd="0" destOrd="0"/>
+        <dgm:cxn modelId="23" srcId="2" destId="21" srcOrd="0" destOrd="0"/>
+        <dgm:cxn modelId="33" srcId="3" destId="31" srcOrd="0" destOrd="0"/>
+        <dgm:cxn modelId="43" srcId="4" destId="41" srcOrd="0" destOrd="0"/>
+      </dgm:cxnLst>
+      <dgm:bg/>
+      <dgm:whole/>
+    </dgm:dataModel>
+  </dgm:clrData>
+  <dgm:layoutNode name="Name0">
+    <dgm:varLst>
+      <dgm:animLvl val="lvl"/>
+      <dgm:resizeHandles val="exact"/>
+    </dgm:varLst>
+    <dgm:alg type="lin">
+      <dgm:param type="linDir" val="fromL"/>
+      <dgm:param type="nodeVertAlign" val="t"/>
+    </dgm:alg>
+    <dgm:shape xmlns:r="http://schemas.openxmlformats.org/officeDocument/2006/relationships" r:blip="">
+      <dgm:adjLst/>
+    </dgm:shape>
+    <dgm:presOf/>
+    <dgm:constrLst>
+      <dgm:constr type="h" for="ch" forName="compositeNode" refType="h"/>
+      <dgm:constr type="w" for="ch" forName="compositeNode" refType="w"/>
+      <dgm:constr type="w" for="des" forName="simulatedConn" refType="w" refFor="ch" refForName="compositeNode" fact="0.15"/>
+      <dgm:constr type="h" for="des" forName="simulatedConn" refType="w" refFor="des" refForName="simulatedConn"/>
+      <dgm:constr type="h" for="des" forName="vSp1" refType="w" refFor="ch" refForName="compositeNode" fact="0.8"/>
+      <dgm:constr type="h" for="des" forName="vSp2" refType="w" refFor="ch" refForName="compositeNode" fact="0.07"/>
+      <dgm:constr type="w" for="ch" forName="vProcSp" refType="w" refFor="des" refForName="simulatedConn" op="equ"/>
+      <dgm:constr type="h" for="ch" forName="vProcSp" refType="h" refFor="ch" refForName="compositeNode" op="equ"/>
+      <dgm:constr type="w" for="ch" forName="sibTrans" refType="w" refFor="ch" refForName="compositeNode" fact="0.08"/>
+      <dgm:constr type="primFontSz" for="des" forName="sibTransNodeRect" op="equ"/>
+      <dgm:constr type="primFontSz" for="des" forName="nodeRect" op="equ"/>
+    </dgm:constrLst>
+    <dgm:ruleLst/>
+    <dgm:forEach name="Name4" axis="ch" ptType="node">
+      <dgm:layoutNode name="compositeNode">
+        <dgm:varLst>
+          <dgm:bulletEnabled val="1"/>
+        </dgm:varLst>
+        <dgm:alg type="composite"/>
+        <dgm:constrLst>
+          <dgm:constr type="h" refType="w" op="lte" fact="1.2"/>
+          <dgm:constr type="w" for="ch" forName="bgRect" refType="w"/>
+          <dgm:constr type="h" for="ch" forName="bgRect" refType="h"/>
+          <dgm:constr type="t" for="ch" forName="bgRect"/>
+          <dgm:constr type="l" for="ch" forName="bgRect"/>
+          <dgm:constr type="w" for="ch" forName="sibTransNodeRect" refType="w" refFor="ch" refForName="bgRect"/>
+          <dgm:constr type="h" for="ch" forName="sibTransNodeRect" refType="h" refFor="ch" refForName="bgRect" fact="0.4"/>
+          <dgm:constr type="t" for="ch" forName="sibTransNodeRect"/>
+          <dgm:constr type="l" for="ch" forName="sibTransNodeRect"/>
+          <dgm:constr type="r" for="ch" forName="nodeRect" refType="r" refFor="ch" refForName="bgRect"/>
+          <dgm:constr type="h" for="ch" forName="nodeRect" refType="h" refFor="ch" refForName="bgRect" fact="0.6"/>
+          <dgm:constr type="t" for="ch" forName="nodeRect" refType="b" refFor="ch" refForName="sibTransNodeRect"/>
+          <dgm:constr type="l" for="ch" forName="nodeRect" refType="l" refFor="ch" refForName="bgRect"/>
+        </dgm:constrLst>
+        <dgm:ruleLst>
+          <dgm:rule type="w" for="ch" forName="nodeRect" val="NaN" fact="NaN" max="30"/>
+        </dgm:ruleLst>
+        <dgm:layoutNode name="bgRect" styleLbl="alignNode1">
+          <dgm:alg type="sp"/>
+          <dgm:shape xmlns:r="http://schemas.openxmlformats.org/officeDocument/2006/relationships" type="rect" r:blip="">
+            <dgm:adjLst>
+              <dgm:adj idx="1" val="0.05"/>
+            </dgm:adjLst>
+          </dgm:shape>
+          <dgm:presOf axis="self"/>
+          <dgm:constrLst/>
+          <dgm:ruleLst/>
+        </dgm:layoutNode>
+        <dgm:forEach name="Name19" axis="followSib" ptType="sibTrans" hideLastTrans="0" cnt="1">
+          <dgm:layoutNode name="sibTransNodeRect" styleLbl="alignNode1">
+            <dgm:varLst>
+              <dgm:chMax val="0"/>
+              <dgm:bulletEnabled val="1"/>
+            </dgm:varLst>
+            <dgm:presOf axis="self"/>
+            <dgm:alg type="tx">
+              <dgm:param type="parTxLTRAlign" val="l"/>
+              <dgm:param type="parTxRTLAlign" val="l"/>
+            </dgm:alg>
+            <dgm:shape xmlns:r="http://schemas.openxmlformats.org/officeDocument/2006/relationships" type="rect" r:blip="" hideGeom="1">
+              <dgm:adjLst/>
+            </dgm:shape>
+            <dgm:constrLst>
+              <dgm:constr type="primFontSz" val="66"/>
+              <dgm:constr type="tMarg" val="13"/>
+              <dgm:constr type="lMarg" refType="w" fact="0.28"/>
+              <dgm:constr type="rMarg" refType="w" fact="0.28"/>
+              <dgm:constr type="bMarg" val="13"/>
+            </dgm:constrLst>
+            <dgm:ruleLst>
+              <dgm:rule type="primFontSz" val="14" fact="NaN" max="NaN"/>
+              <dgm:rule type="tMarg" val="13" fact="NaN" max="NaN"/>
+            </dgm:ruleLst>
+          </dgm:layoutNode>
+        </dgm:forEach>
+        <dgm:layoutNode name="nodeRect" styleLbl="alignNode1" moveWith="bgRect">
+          <dgm:varLst>
+            <dgm:bulletEnabled val="1"/>
+          </dgm:varLst>
+          <dgm:alg type="tx">
+            <dgm:param type="parTxLTRAlign" val="l"/>
+            <dgm:param type="parTxRTLAlign" val="r"/>
+            <dgm:param type="txAnchorVert" val="t"/>
+            <dgm:param type="stBulletLvl" val="2"/>
+          </dgm:alg>
+          <dgm:shape xmlns:r="http://schemas.openxmlformats.org/officeDocument/2006/relationships" type="rect" r:blip="" hideGeom="1">
+            <dgm:adjLst/>
+          </dgm:shape>
+          <dgm:presOf axis="desOrSelf" ptType="node"/>
+          <dgm:constrLst>
+            <dgm:constr type="primFontSz" val="26"/>
+            <dgm:constr type="tMarg"/>
+            <dgm:constr type="lMarg" refType="w" fact="0.28"/>
+            <dgm:constr type="rMarg" refType="w" fact="0.28"/>
+            <dgm:constr type="bMarg" val="26"/>
+          </dgm:constrLst>
+          <dgm:ruleLst>
+            <dgm:rule type="primFontSz" val="11" fact="NaN" max="NaN"/>
+          </dgm:ruleLst>
+        </dgm:layoutNode>
+      </dgm:layoutNode>
+      <dgm:forEach name="Name14" axis="followSib" ptType="sibTrans" cnt="1">
+        <dgm:layoutNode name="sibTrans">
+          <dgm:alg type="sp"/>
+          <dgm:shape xmlns:r="http://schemas.openxmlformats.org/officeDocument/2006/relationships" r:blip="">
+            <dgm:adjLst/>
+          </dgm:shape>
+          <dgm:presOf/>
+          <dgm:constrLst/>
+          <dgm:ruleLst/>
+        </dgm:layoutNode>
+      </dgm:forEach>
+    </dgm:forEach>
+  </dgm:layoutNode>
+  <dgm:extLst>
+    <a:ext uri="{4F341089-5ED1-44EC-B178-C955D00A3D55}">
+      <dgm1611:autoBuNodeInfoLst xmlns:dgm1611="http://schemas.microsoft.com/office/drawing/2016/11/diagram">
+        <dgm1611:autoBuNodeInfo lvl="1" ptType="sibTrans">
+          <dgm1611:buPr prefix="" leadZeros="1">
+            <a:buAutoNum type="arabicParenBoth"/>
+          </dgm1611:buPr>
+        </dgm1611:autoBuNodeInfo>
+      </dgm1611:autoBuNodeInfoLst>
+    </a:ext>
+  </dgm:extLst>
+</dgm:layoutDef>
+</file>
+
+<file path=ppt/diagrams/quickStyle1.xml><?xml version="1.0" encoding="utf-8"?>
+<dgm:styleDef xmlns:dgm="http://schemas.openxmlformats.org/drawingml/2006/diagram" xmlns:a="http://schemas.openxmlformats.org/drawingml/2006/main" uniqueId="urn:microsoft.com/office/officeart/2005/8/quickstyle/simple1">
+  <dgm:title val=""/>
+  <dgm:desc val=""/>
+  <dgm:catLst>
+    <dgm:cat type="simple" pri="10100"/>
+  </dgm:catLst>
+  <dgm:scene3d>
+    <a:camera prst="orthographicFront"/>
+    <a:lightRig rig="threePt" dir="t"/>
+  </dgm:scene3d>
+  <dgm:styleLbl name="node0">
+    <dgm:scene3d>
+      <a:camera prst="orthographicFront"/>
+      <a:lightRig rig="threePt" dir="t"/>
+    </dgm:scene3d>
+    <dgm:sp3d/>
+    <dgm:txPr/>
+    <dgm:style>
+      <a:lnRef idx="2">
+        <a:scrgbClr r="0" g="0" b="0"/>
+      </a:lnRef>
+      <a:fillRef idx="1">
+        <a:scrgbClr r="0" g="0" b="0"/>
+      </a:fillRef>
+      <a:effectRef idx="0">
+        <a:scrgbClr r="0" g="0" b="0"/>
+      </a:effectRef>
+      <a:fontRef idx="minor">
+        <a:schemeClr val="lt1"/>
+      </a:fontRef>
+    </dgm:style>
+  </dgm:styleLbl>
+  <dgm:styleLbl name="lnNode1">
+    <dgm:scene3d>
+      <a:camera prst="orthographicFront"/>
+      <a:lightRig rig="threePt" dir="t"/>
+    </dgm:scene3d>
+    <dgm:sp3d/>
+    <dgm:txPr/>
+    <dgm:style>
+      <a:lnRef idx="2">
+        <a:scrgbClr r="0" g="0" b="0"/>
+      </a:lnRef>
+      <a:fillRef idx="1">
+        <a:scrgbClr r="0" g="0" b="0"/>
+      </a:fillRef>
+      <a:effectRef idx="0">
+        <a:scrgbClr r="0" g="0" b="0"/>
+      </a:effectRef>
+      <a:fontRef idx="minor">
+        <a:schemeClr val="lt1"/>
+      </a:fontRef>
+    </dgm:style>
+  </dgm:styleLbl>
+  <dgm:styleLbl name="vennNode1">
+    <dgm:scene3d>
+      <a:camera prst="orthographicFront"/>
+      <a:lightRig rig="threePt" dir="t"/>
+    </dgm:scene3d>
+    <dgm:sp3d/>
+    <dgm:txPr/>
+    <dgm:style>
+      <a:lnRef idx="2">
+        <a:scrgbClr r="0" g="0" b="0"/>
+      </a:lnRef>
+      <a:fillRef idx="1">
+        <a:scrgbClr r="0" g="0" b="0"/>
+      </a:fillRef>
+      <a:effectRef idx="0">
+        <a:scrgbClr r="0" g="0" b="0"/>
+      </a:effectRef>
+      <a:fontRef idx="minor">
+        <a:schemeClr val="tx1"/>
+      </a:fontRef>
+    </dgm:style>
+  </dgm:styleLbl>
+  <dgm:styleLbl name="alignNode1">
+    <dgm:scene3d>
+      <a:camera prst="orthographicFront"/>
+      <a:lightRig rig="threePt" dir="t"/>
+    </dgm:scene3d>
+    <dgm:sp3d/>
+    <dgm:txPr/>
+    <dgm:style>
+      <a:lnRef idx="2">
+        <a:scrgbClr r="0" g="0" b="0"/>
+      </a:lnRef>
+      <a:fillRef idx="1">
+        <a:scrgbClr r="0" g="0" b="0"/>
+      </a:fillRef>
+      <a:effectRef idx="0">
+        <a:scrgbClr r="0" g="0" b="0"/>
+      </a:effectRef>
+      <a:fontRef idx="minor">
+        <a:schemeClr val="lt1"/>
+      </a:fontRef>
+    </dgm:style>
+  </dgm:styleLbl>
+  <dgm:styleLbl name="node1">
+    <dgm:scene3d>
+      <a:camera prst="orthographicFront"/>
+      <a:lightRig rig="threePt" dir="t"/>
+    </dgm:scene3d>
+    <dgm:sp3d/>
+    <dgm:txPr/>
+    <dgm:style>
+      <a:lnRef idx="2">
+        <a:scrgbClr r="0" g="0" b="0"/>
+      </a:lnRef>
+      <a:fillRef idx="1">
+        <a:scrgbClr r="0" g="0" b="0"/>
+      </a:fillRef>
+      <a:effectRef idx="0">
+        <a:scrgbClr r="0" g="0" b="0"/>
+      </a:effectRef>
+      <a:fontRef idx="minor">
+        <a:schemeClr val="lt1"/>
+      </a:fontRef>
+    </dgm:style>
+  </dgm:styleLbl>
+  <dgm:styleLbl name="node2">
+    <dgm:scene3d>
+      <a:camera prst="orthographicFront"/>
+      <a:lightRig rig="threePt" dir="t"/>
+    </dgm:scene3d>
+    <dgm:sp3d/>
+    <dgm:txPr/>
+    <dgm:style>
+      <a:lnRef idx="2">
+        <a:scrgbClr r="0" g="0" b="0"/>
+      </a:lnRef>
+      <a:fillRef idx="1">
+        <a:scrgbClr r="0" g="0" b="0"/>
+      </a:fillRef>
+      <a:effectRef idx="0">
+        <a:scrgbClr r="0" g="0" b="0"/>
+      </a:effectRef>
+      <a:fontRef idx="minor">
+        <a:schemeClr val="lt1"/>
+      </a:fontRef>
+    </dgm:style>
+  </dgm:styleLbl>
+  <dgm:styleLbl name="node3">
+    <dgm:scene3d>
+      <a:camera prst="orthographicFront"/>
+      <a:lightRig rig="threePt" dir="t"/>
+    </dgm:scene3d>
+    <dgm:sp3d/>
+    <dgm:txPr/>
+    <dgm:style>
+      <a:lnRef idx="2">
+        <a:scrgbClr r="0" g="0" b="0"/>
+      </a:lnRef>
+      <a:fillRef idx="1">
+        <a:scrgbClr r="0" g="0" b="0"/>
+      </a:fillRef>
+      <a:effectRef idx="0">
+        <a:scrgbClr r="0" g="0" b="0"/>
+      </a:effectRef>
+      <a:fontRef idx="minor">
+        <a:schemeClr val="lt1"/>
+      </a:fontRef>
+    </dgm:style>
+  </dgm:styleLbl>
+  <dgm:styleLbl name="node4">
+    <dgm:scene3d>
+      <a:camera prst="orthographicFront"/>
+      <a:lightRig rig="threePt" dir="t"/>
+    </dgm:scene3d>
+    <dgm:sp3d/>
+    <dgm:txPr/>
+    <dgm:style>
+      <a:lnRef idx="2">
+        <a:scrgbClr r="0" g="0" b="0"/>
+      </a:lnRef>
+      <a:fillRef idx="1">
+        <a:scrgbClr r="0" g="0" b="0"/>
+      </a:fillRef>
+      <a:effectRef idx="0">
+        <a:scrgbClr r="0" g="0" b="0"/>
+      </a:effectRef>
+      <a:fontRef idx="minor">
+        <a:schemeClr val="lt1"/>
+      </a:fontRef>
+    </dgm:style>
+  </dgm:styleLbl>
+  <dgm:styleLbl name="fgImgPlace1">
+    <dgm:scene3d>
+      <a:camera prst="orthographicFront"/>
+      <a:lightRig rig="threePt" dir="t"/>
+    </dgm:scene3d>
+    <dgm:sp3d/>
+    <dgm:txPr/>
+    <dgm:style>
+      <a:lnRef idx="2">
+        <a:scrgbClr r="0" g="0" b="0"/>
+      </a:lnRef>
+      <a:fillRef idx="1">
+        <a:scrgbClr r="0" g="0" b="0"/>
+      </a:fillRef>
+      <a:effectRef idx="0">
+        <a:scrgbClr r="0" g="0" b="0"/>
+      </a:effectRef>
+      <a:fontRef idx="minor"/>
+    </dgm:style>
+  </dgm:styleLbl>
+  <dgm:styleLbl name="alignImgPlace1">
+    <dgm:scene3d>
+      <a:camera prst="orthographicFront"/>
+      <a:lightRig rig="threePt" dir="t"/>
+    </dgm:scene3d>
+    <dgm:sp3d/>
+    <dgm:txPr/>
+    <dgm:style>
+      <a:lnRef idx="2">
+        <a:scrgbClr r="0" g="0" b="0"/>
+      </a:lnRef>
+      <a:fillRef idx="1">
+        <a:scrgbClr r="0" g="0" b="0"/>
+      </a:fillRef>
+      <a:effectRef idx="0">
+        <a:scrgbClr r="0" g="0" b="0"/>
+      </a:effectRef>
+      <a:fontRef idx="minor"/>
+    </dgm:style>
+  </dgm:styleLbl>
+  <dgm:styleLbl name="bgImgPlace1">
+    <dgm:scene3d>
+      <a:camera prst="orthographicFront"/>
+      <a:lightRig rig="threePt" dir="t"/>
+    </dgm:scene3d>
+    <dgm:sp3d/>
+    <dgm:txPr/>
+    <dgm:style>
+      <a:lnRef idx="2">
+        <a:scrgbClr r="0" g="0" b="0"/>
+      </a:lnRef>
+      <a:fillRef idx="1">
+        <a:scrgbClr r="0" g="0" b="0"/>
+      </a:fillRef>
+      <a:effectRef idx="0">
+        <a:scrgbClr r="0" g="0" b="0"/>
+      </a:effectRef>
+      <a:fontRef idx="minor"/>
+    </dgm:style>
+  </dgm:styleLbl>
+  <dgm:styleLbl name="sibTrans2D1">
+    <dgm:scene3d>
+      <a:camera prst="orthographicFront"/>
+      <a:lightRig rig="threePt" dir="t"/>
+    </dgm:scene3d>
+    <dgm:sp3d/>
+    <dgm:txPr/>
+    <dgm:style>
+      <a:lnRef idx="0">
+        <a:scrgbClr r="0" g="0" b="0"/>
+      </a:lnRef>
+      <a:fillRef idx="1">
+        <a:scrgbClr r="0" g="0" b="0"/>
+      </a:fillRef>
+      <a:effectRef idx="0">
+        <a:scrgbClr r="0" g="0" b="0"/>
+      </a:effectRef>
+      <a:fontRef idx="minor">
+        <a:schemeClr val="lt1"/>
+      </a:fontRef>
+    </dgm:style>
+  </dgm:styleLbl>
+  <dgm:styleLbl name="fgSibTrans2D1">
+    <dgm:scene3d>
+      <a:camera prst="orthographicFront"/>
+      <a:lightRig rig="threePt" dir="t"/>
+    </dgm:scene3d>
+    <dgm:sp3d/>
+    <dgm:txPr/>
+    <dgm:style>
+      <a:lnRef idx="0">
+        <a:scrgbClr r="0" g="0" b="0"/>
+      </a:lnRef>
+      <a:fillRef idx="1">
+        <a:scrgbClr r="0" g="0" b="0"/>
+      </a:fillRef>
+      <a:effectRef idx="0">
+        <a:scrgbClr r="0" g="0" b="0"/>
+      </a:effectRef>
+      <a:fontRef idx="minor">
+        <a:schemeClr val="lt1"/>
+      </a:fontRef>
+    </dgm:style>
+  </dgm:styleLbl>
+  <dgm:styleLbl name="bgSibTrans2D1">
+    <dgm:scene3d>
+      <a:camera prst="orthographicFront"/>
+      <a:lightRig rig="threePt" dir="t"/>
+    </dgm:scene3d>
+    <dgm:sp3d/>
+    <dgm:txPr/>
+    <dgm:style>
+      <a:lnRef idx="0">
+        <a:scrgbClr r="0" g="0" b="0"/>
+      </a:lnRef>
+      <a:fillRef idx="1">
+        <a:scrgbClr r="0" g="0" b="0"/>
+      </a:fillRef>
+      <a:effectRef idx="0">
+        <a:scrgbClr r="0" g="0" b="0"/>
+      </a:effectRef>
+      <a:fontRef idx="minor">
+        <a:schemeClr val="lt1"/>
+      </a:fontRef>
+    </dgm:style>
+  </dgm:styleLbl>
+  <dgm:styleLbl name="sibTrans1D1">
+    <dgm:scene3d>
+      <a:camera prst="orthographicFront"/>
+      <a:lightRig rig="threePt" dir="t"/>
+    </dgm:scene3d>
+    <dgm:sp3d/>
+    <dgm:txPr/>
+    <dgm:style>
+      <a:lnRef idx="1">
+        <a:scrgbClr r="0" g="0" b="0"/>
+      </a:lnRef>
+      <a:fillRef idx="0">
+        <a:scrgbClr r="0" g="0" b="0"/>
+      </a:fillRef>
+      <a:effectRef idx="0">
+        <a:scrgbClr r="0" g="0" b="0"/>
+      </a:effectRef>
+      <a:fontRef idx="minor"/>
+    </dgm:style>
+  </dgm:styleLbl>
+  <dgm:styleLbl name="callout">
+    <dgm:scene3d>
+      <a:camera prst="orthographicFront"/>
+      <a:lightRig rig="threePt" dir="t"/>
+    </dgm:scene3d>
+    <dgm:sp3d/>
+    <dgm:txPr/>
+    <dgm:style>
+      <a:lnRef idx="2">
+        <a:scrgbClr r="0" g="0" b="0"/>
+      </a:lnRef>
+      <a:fillRef idx="1">
+        <a:scrgbClr r="0" g="0" b="0"/>
+      </a:fillRef>
+      <a:effectRef idx="0">
+        <a:scrgbClr r="0" g="0" b="0"/>
+      </a:effectRef>
+      <a:fontRef idx="minor"/>
+    </dgm:style>
+  </dgm:styleLbl>
+  <dgm:styleLbl name="asst0">
+    <dgm:scene3d>
+      <a:camera prst="orthographicFront"/>
+      <a:lightRig rig="threePt" dir="t"/>
+    </dgm:scene3d>
+    <dgm:sp3d/>
+    <dgm:txPr/>
+    <dgm:style>
+      <a:lnRef idx="2">
+        <a:scrgbClr r="0" g="0" b="0"/>
+      </a:lnRef>
+      <a:fillRef idx="1">
+        <a:scrgbClr r="0" g="0" b="0"/>
+      </a:fillRef>
+      <a:effectRef idx="0">
+        <a:scrgbClr r="0" g="0" b="0"/>
+      </a:effectRef>
+      <a:fontRef idx="minor">
+        <a:schemeClr val="lt1"/>
+      </a:fontRef>
+    </dgm:style>
+  </dgm:styleLbl>
+  <dgm:styleLbl name="asst1">
+    <dgm:scene3d>
+      <a:camera prst="orthographicFront"/>
+      <a:lightRig rig="threePt" dir="t"/>
+    </dgm:scene3d>
+    <dgm:sp3d/>
+    <dgm:txPr/>
+    <dgm:style>
+      <a:lnRef idx="2">
+        <a:scrgbClr r="0" g="0" b="0"/>
+      </a:lnRef>
+      <a:fillRef idx="1">
+        <a:scrgbClr r="0" g="0" b="0"/>
+      </a:fillRef>
+      <a:effectRef idx="0">
+        <a:scrgbClr r="0" g="0" b="0"/>
+      </a:effectRef>
+      <a:fontRef idx="minor">
+        <a:schemeClr val="lt1"/>
+      </a:fontRef>
+    </dgm:style>
+  </dgm:styleLbl>
+  <dgm:styleLbl name="asst2">
+    <dgm:scene3d>
+      <a:camera prst="orthographicFront"/>
+      <a:lightRig rig="threePt" dir="t"/>
+    </dgm:scene3d>
+    <dgm:sp3d/>
+    <dgm:txPr/>
+    <dgm:style>
+      <a:lnRef idx="2">
+        <a:scrgbClr r="0" g="0" b="0"/>
+      </a:lnRef>
+      <a:fillRef idx="1">
+        <a:scrgbClr r="0" g="0" b="0"/>
+      </a:fillRef>
+      <a:effectRef idx="0">
+        <a:scrgbClr r="0" g="0" b="0"/>
+      </a:effectRef>
+      <a:fontRef idx="minor">
+        <a:schemeClr val="lt1"/>
+      </a:fontRef>
+    </dgm:style>
+  </dgm:styleLbl>
+  <dgm:styleLbl name="asst3">
+    <dgm:scene3d>
+      <a:camera prst="orthographicFront"/>
+      <a:lightRig rig="threePt" dir="t"/>
+    </dgm:scene3d>
+    <dgm:sp3d/>
+    <dgm:txPr/>
+    <dgm:style>
+      <a:lnRef idx="2">
+        <a:scrgbClr r="0" g="0" b="0"/>
+      </a:lnRef>
+      <a:fillRef idx="1">
+        <a:scrgbClr r="0" g="0" b="0"/>
+      </a:fillRef>
+      <a:effectRef idx="0">
+        <a:scrgbClr r="0" g="0" b="0"/>
+      </a:effectRef>
+      <a:fontRef idx="minor">
+        <a:schemeClr val="lt1"/>
+      </a:fontRef>
+    </dgm:style>
+  </dgm:styleLbl>
+  <dgm:styleLbl name="asst4">
+    <dgm:scene3d>
+      <a:camera prst="orthographicFront"/>
+      <a:lightRig rig="threePt" dir="t"/>
+    </dgm:scene3d>
+    <dgm:sp3d/>
+    <dgm:txPr/>
+    <dgm:style>
+      <a:lnRef idx="2">
+        <a:scrgbClr r="0" g="0" b="0"/>
+      </a:lnRef>
+      <a:fillRef idx="1">
+        <a:scrgbClr r="0" g="0" b="0"/>
+      </a:fillRef>
+      <a:effectRef idx="0">
+        <a:scrgbClr r="0" g="0" b="0"/>
+      </a:effectRef>
+      <a:fontRef idx="minor">
+        <a:schemeClr val="lt1"/>
+      </a:fontRef>
+    </dgm:style>
+  </dgm:styleLbl>
+  <dgm:styleLbl name="parChTrans2D1">
+    <dgm:scene3d>
+      <a:camera prst="orthographicFront"/>
+      <a:lightRig rig="threePt" dir="t"/>
+    </dgm:scene3d>
+    <dgm:sp3d/>
+    <dgm:txPr/>
+    <dgm:style>
+      <a:lnRef idx="2">
+        <a:scrgbClr r="0" g="0" b="0"/>
+      </a:lnRef>
+      <a:fillRef idx="1">
+        <a:scrgbClr r="0" g="0" b="0"/>
+      </a:fillRef>
+      <a:effectRef idx="0">
+        <a:scrgbClr r="0" g="0" b="0"/>
+      </a:effectRef>
+      <a:fontRef idx="minor">
+        <a:schemeClr val="lt1"/>
+      </a:fontRef>
+    </dgm:style>
+  </dgm:styleLbl>
+  <dgm:styleLbl name="parChTrans2D2">
+    <dgm:scene3d>
+      <a:camera prst="orthographicFront"/>
+      <a:lightRig rig="threePt" dir="t"/>
+    </dgm:scene3d>
+    <dgm:sp3d/>
+    <dgm:txPr/>
+    <dgm:style>
+      <a:lnRef idx="2">
+        <a:scrgbClr r="0" g="0" b="0"/>
+      </a:lnRef>
+      <a:fillRef idx="1">
+        <a:scrgbClr r="0" g="0" b="0"/>
+      </a:fillRef>
+      <a:effectRef idx="0">
+        <a:scrgbClr r="0" g="0" b="0"/>
+      </a:effectRef>
+      <a:fontRef idx="minor">
+        <a:schemeClr val="lt1"/>
+      </a:fontRef>
+    </dgm:style>
+  </dgm:styleLbl>
+  <dgm:styleLbl name="parChTrans2D3">
+    <dgm:scene3d>
+      <a:camera prst="orthographicFront"/>
+      <a:lightRig rig="threePt" dir="t"/>
+    </dgm:scene3d>
+    <dgm:sp3d/>
+    <dgm:txPr/>
+    <dgm:style>
+      <a:lnRef idx="2">
+        <a:scrgbClr r="0" g="0" b="0"/>
+      </a:lnRef>
+      <a:fillRef idx="1">
+        <a:scrgbClr r="0" g="0" b="0"/>
+      </a:fillRef>
+      <a:effectRef idx="0">
+        <a:scrgbClr r="0" g="0" b="0"/>
+      </a:effectRef>
+      <a:fontRef idx="minor">
+        <a:schemeClr val="lt1"/>
+      </a:fontRef>
+    </dgm:style>
+  </dgm:styleLbl>
+  <dgm:styleLbl name="parChTrans2D4">
+    <dgm:scene3d>
+      <a:camera prst="orthographicFront"/>
+      <a:lightRig rig="threePt" dir="t"/>
+    </dgm:scene3d>
+    <dgm:sp3d/>
+    <dgm:txPr/>
+    <dgm:style>
+      <a:lnRef idx="2">
+        <a:scrgbClr r="0" g="0" b="0"/>
+      </a:lnRef>
+      <a:fillRef idx="1">
+        <a:scrgbClr r="0" g="0" b="0"/>
+      </a:fillRef>
+      <a:effectRef idx="0">
+        <a:scrgbClr r="0" g="0" b="0"/>
+      </a:effectRef>
+      <a:fontRef idx="minor">
+        <a:schemeClr val="lt1"/>
+      </a:fontRef>
+    </dgm:style>
+  </dgm:styleLbl>
+  <dgm:styleLbl name="parChTrans1D1">
+    <dgm:scene3d>
+      <a:camera prst="orthographicFront"/>
+      <a:lightRig rig="threePt" dir="t"/>
+    </dgm:scene3d>
+    <dgm:sp3d/>
+    <dgm:txPr/>
+    <dgm:style>
+      <a:lnRef idx="2">
+        <a:scrgbClr r="0" g="0" b="0"/>
+      </a:lnRef>
+      <a:fillRef idx="0">
+        <a:scrgbClr r="0" g="0" b="0"/>
+      </a:fillRef>
+      <a:effectRef idx="0">
+        <a:scrgbClr r="0" g="0" b="0"/>
+      </a:effectRef>
+      <a:fontRef idx="minor"/>
+    </dgm:style>
+  </dgm:styleLbl>
+  <dgm:styleLbl name="parChTrans1D2">
+    <dgm:scene3d>
+      <a:camera prst="orthographicFront"/>
+      <a:lightRig rig="threePt" dir="t"/>
+    </dgm:scene3d>
+    <dgm:sp3d/>
+    <dgm:txPr/>
+    <dgm:style>
+      <a:lnRef idx="2">
+        <a:scrgbClr r="0" g="0" b="0"/>
+      </a:lnRef>
+      <a:fillRef idx="0">
+        <a:scrgbClr r="0" g="0" b="0"/>
+      </a:fillRef>
+      <a:effectRef idx="0">
+        <a:scrgbClr r="0" g="0" b="0"/>
+      </a:effectRef>
+      <a:fontRef idx="minor"/>
+    </dgm:style>
+  </dgm:styleLbl>
+  <dgm:styleLbl name="parChTrans1D3">
+    <dgm:scene3d>
+      <a:camera prst="orthographicFront"/>
+      <a:lightRig rig="threePt" dir="t"/>
+    </dgm:scene3d>
+    <dgm:sp3d/>
+    <dgm:txPr/>
+    <dgm:style>
+      <a:lnRef idx="2">
+        <a:scrgbClr r="0" g="0" b="0"/>
+      </a:lnRef>
+      <a:fillRef idx="0">
+        <a:scrgbClr r="0" g="0" b="0"/>
+      </a:fillRef>
+      <a:effectRef idx="0">
+        <a:scrgbClr r="0" g="0" b="0"/>
+      </a:effectRef>
+      <a:fontRef idx="minor"/>
+    </dgm:style>
+  </dgm:styleLbl>
+  <dgm:styleLbl name="parChTrans1D4">
+    <dgm:scene3d>
+      <a:camera prst="orthographicFront"/>
+      <a:lightRig rig="threePt" dir="t"/>
+    </dgm:scene3d>
+    <dgm:sp3d/>
+    <dgm:txPr/>
+    <dgm:style>
+      <a:lnRef idx="2">
+        <a:scrgbClr r="0" g="0" b="0"/>
+      </a:lnRef>
+      <a:fillRef idx="0">
+        <a:scrgbClr r="0" g="0" b="0"/>
+      </a:fillRef>
+      <a:effectRef idx="0">
+        <a:scrgbClr r="0" g="0" b="0"/>
+      </a:effectRef>
+      <a:fontRef idx="minor"/>
+    </dgm:style>
+  </dgm:styleLbl>
+  <dgm:styleLbl name="fgAcc1">
+    <dgm:scene3d>
+      <a:camera prst="orthographicFront"/>
+      <a:lightRig rig="threePt" dir="t"/>
+    </dgm:scene3d>
+    <dgm:sp3d/>
+    <dgm:txPr/>
+    <dgm:style>
+      <a:lnRef idx="2">
+        <a:scrgbClr r="0" g="0" b="0"/>
+      </a:lnRef>
+      <a:fillRef idx="1">
+        <a:scrgbClr r="0" g="0" b="0"/>
+      </a:fillRef>
+      <a:effectRef idx="0">
+        <a:scrgbClr r="0" g="0" b="0"/>
+      </a:effectRef>
+      <a:fontRef idx="minor"/>
+    </dgm:style>
+  </dgm:styleLbl>
+  <dgm:styleLbl name="conFgAcc1">
+    <dgm:scene3d>
+      <a:camera prst="orthographicFront"/>
+      <a:lightRig rig="threePt" dir="t"/>
+    </dgm:scene3d>
+    <dgm:sp3d/>
+    <dgm:txPr/>
+    <dgm:style>
+      <a:lnRef idx="2">
+        <a:scrgbClr r="0" g="0" b="0"/>
+      </a:lnRef>
+      <a:fillRef idx="1">
+        <a:scrgbClr r="0" g="0" b="0"/>
+      </a:fillRef>
+      <a:effectRef idx="0">
+        <a:scrgbClr r="0" g="0" b="0"/>
+      </a:effectRef>
+      <a:fontRef idx="minor"/>
+    </dgm:style>
+  </dgm:styleLbl>
+  <dgm:styleLbl name="alignAcc1">
+    <dgm:scene3d>
+      <a:camera prst="orthographicFront"/>
+      <a:lightRig rig="threePt" dir="t"/>
+    </dgm:scene3d>
+    <dgm:sp3d/>
+    <dgm:txPr/>
+    <dgm:style>
+      <a:lnRef idx="2">
+        <a:scrgbClr r="0" g="0" b="0"/>
+      </a:lnRef>
+      <a:fillRef idx="1">
+        <a:scrgbClr r="0" g="0" b="0"/>
+      </a:fillRef>
+      <a:effectRef idx="0">
+        <a:scrgbClr r="0" g="0" b="0"/>
+      </a:effectRef>
+      <a:fontRef idx="minor"/>
+    </dgm:style>
+  </dgm:styleLbl>
+  <dgm:styleLbl name="trAlignAcc1">
+    <dgm:scene3d>
+      <a:camera prst="orthographicFront"/>
+      <a:lightRig rig="threePt" dir="t"/>
+    </dgm:scene3d>
+    <dgm:sp3d/>
+    <dgm:txPr/>
+    <dgm:style>
+      <a:lnRef idx="1">
+        <a:scrgbClr r="0" g="0" b="0"/>
+      </a:lnRef>
+      <a:fillRef idx="1">
+        <a:scrgbClr r="0" g="0" b="0"/>
+      </a:fillRef>
+      <a:effectRef idx="0">
+        <a:scrgbClr r="0" g="0" b="0"/>
+      </a:effectRef>
+      <a:fontRef idx="minor"/>
+    </dgm:style>
+  </dgm:styleLbl>
+  <dgm:styleLbl name="bgAcc1">
+    <dgm:scene3d>
+      <a:camera prst="orthographicFront"/>
+      <a:lightRig rig="threePt" dir="t"/>
+    </dgm:scene3d>
+    <dgm:sp3d/>
+    <dgm:txPr/>
+    <dgm:style>
+      <a:lnRef idx="2">
+        <a:scrgbClr r="0" g="0" b="0"/>
+      </a:lnRef>
+      <a:fillRef idx="1">
+        <a:scrgbClr r="0" g="0" b="0"/>
+      </a:fillRef>
+      <a:effectRef idx="0">
+        <a:scrgbClr r="0" g="0" b="0"/>
+      </a:effectRef>
+      <a:fontRef idx="minor"/>
+    </dgm:style>
+  </dgm:styleLbl>
+  <dgm:styleLbl name="solidFgAcc1">
+    <dgm:scene3d>
+      <a:camera prst="orthographicFront"/>
+      <a:lightRig rig="threePt" dir="t"/>
+    </dgm:scene3d>
+    <dgm:sp3d/>
+    <dgm:txPr/>
+    <dgm:style>
+      <a:lnRef idx="2">
+        <a:scrgbClr r="0" g="0" b="0"/>
+      </a:lnRef>
+      <a:fillRef idx="1">
+        <a:scrgbClr r="0" g="0" b="0"/>
+      </a:fillRef>
+      <a:effectRef idx="0">
+        <a:scrgbClr r="0" g="0" b="0"/>
+      </a:effectRef>
+      <a:fontRef idx="minor"/>
+    </dgm:style>
+  </dgm:styleLbl>
+  <dgm:styleLbl name="solidAlignAcc1">
+    <dgm:scene3d>
+      <a:camera prst="orthographicFront"/>
+      <a:lightRig rig="threePt" dir="t"/>
+    </dgm:scene3d>
+    <dgm:sp3d/>
+    <dgm:txPr/>
+    <dgm:style>
+      <a:lnRef idx="2">
+        <a:scrgbClr r="0" g="0" b="0"/>
+      </a:lnRef>
+      <a:fillRef idx="1">
+        <a:scrgbClr r="0" g="0" b="0"/>
+      </a:fillRef>
+      <a:effectRef idx="0">
+        <a:scrgbClr r="0" g="0" b="0"/>
+      </a:effectRef>
+      <a:fontRef idx="minor"/>
+    </dgm:style>
+  </dgm:styleLbl>
+  <dgm:styleLbl name="solidBgAcc1">
+    <dgm:scene3d>
+      <a:camera prst="orthographicFront"/>
+      <a:lightRig rig="threePt" dir="t"/>
+    </dgm:scene3d>
+    <dgm:sp3d/>
+    <dgm:txPr/>
+    <dgm:style>
+      <a:lnRef idx="2">
+        <a:scrgbClr r="0" g="0" b="0"/>
+      </a:lnRef>
+      <a:fillRef idx="1">
+        <a:scrgbClr r="0" g="0" b="0"/>
+      </a:fillRef>
+      <a:effectRef idx="0">
+        <a:scrgbClr r="0" g="0" b="0"/>
+      </a:effectRef>
+      <a:fontRef idx="minor"/>
+    </dgm:style>
+  </dgm:styleLbl>
+  <dgm:styleLbl name="fgAccFollowNode1">
+    <dgm:scene3d>
+      <a:camera prst="orthographicFront"/>
+      <a:lightRig rig="threePt" dir="t"/>
+    </dgm:scene3d>
+    <dgm:sp3d/>
+    <dgm:txPr/>
+    <dgm:style>
+      <a:lnRef idx="2">
+        <a:scrgbClr r="0" g="0" b="0"/>
+      </a:lnRef>
+      <a:fillRef idx="1">
+        <a:scrgbClr r="0" g="0" b="0"/>
+      </a:fillRef>
+      <a:effectRef idx="0">
+        <a:scrgbClr r="0" g="0" b="0"/>
+      </a:effectRef>
+      <a:fontRef idx="minor"/>
+    </dgm:style>
+  </dgm:styleLbl>
+  <dgm:styleLbl name="alignAccFollowNode1">
+    <dgm:scene3d>
+      <a:camera prst="orthographicFront"/>
+      <a:lightRig rig="threePt" dir="t"/>
+    </dgm:scene3d>
+    <dgm:sp3d/>
+    <dgm:txPr/>
+    <dgm:style>
+      <a:lnRef idx="2">
+        <a:scrgbClr r="0" g="0" b="0"/>
+      </a:lnRef>
+      <a:fillRef idx="1">
+        <a:scrgbClr r="0" g="0" b="0"/>
+      </a:fillRef>
+      <a:effectRef idx="0">
+        <a:scrgbClr r="0" g="0" b="0"/>
+      </a:effectRef>
+      <a:fontRef idx="minor"/>
+    </dgm:style>
+  </dgm:styleLbl>
+  <dgm:styleLbl name="bgAccFollowNode1">
+    <dgm:scene3d>
+      <a:camera prst="orthographicFront"/>
+      <a:lightRig rig="threePt" dir="t"/>
+    </dgm:scene3d>
+    <dgm:sp3d/>
+    <dgm:txPr/>
+    <dgm:style>
+      <a:lnRef idx="2">
+        <a:scrgbClr r="0" g="0" b="0"/>
+      </a:lnRef>
+      <a:fillRef idx="1">
+        <a:scrgbClr r="0" g="0" b="0"/>
+      </a:fillRef>
+      <a:effectRef idx="0">
+        <a:scrgbClr r="0" g="0" b="0"/>
+      </a:effectRef>
+      <a:fontRef idx="minor"/>
+    </dgm:style>
+  </dgm:styleLbl>
+  <dgm:styleLbl name="fgAcc0">
+    <dgm:scene3d>
+      <a:camera prst="orthographicFront"/>
+      <a:lightRig rig="threePt" dir="t"/>
+    </dgm:scene3d>
+    <dgm:sp3d/>
+    <dgm:txPr/>
+    <dgm:style>
+      <a:lnRef idx="2">
+        <a:scrgbClr r="0" g="0" b="0"/>
+      </a:lnRef>
+      <a:fillRef idx="1">
+        <a:scrgbClr r="0" g="0" b="0"/>
+      </a:fillRef>
+      <a:effectRef idx="0">
+        <a:scrgbClr r="0" g="0" b="0"/>
+      </a:effectRef>
+      <a:fontRef idx="minor"/>
+    </dgm:style>
+  </dgm:styleLbl>
+  <dgm:styleLbl name="fgAcc2">
+    <dgm:scene3d>
+      <a:camera prst="orthographicFront"/>
+      <a:lightRig rig="threePt" dir="t"/>
+    </dgm:scene3d>
+    <dgm:sp3d/>
+    <dgm:txPr/>
+    <dgm:style>
+      <a:lnRef idx="2">
+        <a:scrgbClr r="0" g="0" b="0"/>
+      </a:lnRef>
+      <a:fillRef idx="1">
+        <a:scrgbClr r="0" g="0" b="0"/>
+      </a:fillRef>
+      <a:effectRef idx="0">
+        <a:scrgbClr r="0" g="0" b="0"/>
+      </a:effectRef>
+      <a:fontRef idx="minor"/>
+    </dgm:style>
+  </dgm:styleLbl>
+  <dgm:styleLbl name="fgAcc3">
+    <dgm:scene3d>
+      <a:camera prst="orthographicFront"/>
+      <a:lightRig rig="threePt" dir="t"/>
+    </dgm:scene3d>
+    <dgm:sp3d/>
+    <dgm:txPr/>
+    <dgm:style>
+      <a:lnRef idx="2">
+        <a:scrgbClr r="0" g="0" b="0"/>
+      </a:lnRef>
+      <a:fillRef idx="1">
+        <a:scrgbClr r="0" g="0" b="0"/>
+      </a:fillRef>
+      <a:effectRef idx="0">
+        <a:scrgbClr r="0" g="0" b="0"/>
+      </a:effectRef>
+      <a:fontRef idx="minor"/>
+    </dgm:style>
+  </dgm:styleLbl>
+  <dgm:styleLbl name="fgAcc4">
+    <dgm:scene3d>
+      <a:camera prst="orthographicFront"/>
+      <a:lightRig rig="threePt" dir="t"/>
+    </dgm:scene3d>
+    <dgm:sp3d/>
+    <dgm:txPr/>
+    <dgm:style>
+      <a:lnRef idx="2">
+        <a:scrgbClr r="0" g="0" b="0"/>
+      </a:lnRef>
+      <a:fillRef idx="1">
+        <a:scrgbClr r="0" g="0" b="0"/>
+      </a:fillRef>
+      <a:effectRef idx="0">
+        <a:scrgbClr r="0" g="0" b="0"/>
+      </a:effectRef>
+      <a:fontRef idx="minor"/>
+    </dgm:style>
+  </dgm:styleLbl>
+  <dgm:styleLbl name="bgShp">
+    <dgm:scene3d>
+      <a:camera prst="orthographicFront"/>
+      <a:lightRig rig="threePt" dir="t"/>
+    </dgm:scene3d>
+    <dgm:sp3d/>
+    <dgm:txPr/>
+    <dgm:style>
+      <a:lnRef idx="0">
+        <a:scrgbClr r="0" g="0" b="0"/>
+      </a:lnRef>
+      <a:fillRef idx="1">
+        <a:scrgbClr r="0" g="0" b="0"/>
+      </a:fillRef>
+      <a:effectRef idx="0">
+        <a:scrgbClr r="0" g="0" b="0"/>
+      </a:effectRef>
+      <a:fontRef idx="minor"/>
+    </dgm:style>
+  </dgm:styleLbl>
+  <dgm:styleLbl name="dkBgShp">
+    <dgm:scene3d>
+      <a:camera prst="orthographicFront"/>
+      <a:lightRig rig="threePt" dir="t"/>
+    </dgm:scene3d>
+    <dgm:sp3d/>
+    <dgm:txPr/>
+    <dgm:style>
+      <a:lnRef idx="0">
+        <a:scrgbClr r="0" g="0" b="0"/>
+      </a:lnRef>
+      <a:fillRef idx="1">
+        <a:scrgbClr r="0" g="0" b="0"/>
+      </a:fillRef>
+      <a:effectRef idx="0">
+        <a:scrgbClr r="0" g="0" b="0"/>
+      </a:effectRef>
+      <a:fontRef idx="minor"/>
+    </dgm:style>
+  </dgm:styleLbl>
+  <dgm:styleLbl name="trBgShp">
+    <dgm:scene3d>
+      <a:camera prst="orthographicFront"/>
+      <a:lightRig rig="threePt" dir="t"/>
+    </dgm:scene3d>
+    <dgm:sp3d/>
+    <dgm:txPr/>
+    <dgm:style>
+      <a:lnRef idx="0">
+        <a:scrgbClr r="0" g="0" b="0"/>
+      </a:lnRef>
+      <a:fillRef idx="1">
+        <a:scrgbClr r="0" g="0" b="0"/>
+      </a:fillRef>
+      <a:effectRef idx="0">
+        <a:scrgbClr r="0" g="0" b="0"/>
+      </a:effectRef>
+      <a:fontRef idx="minor"/>
+    </dgm:style>
+  </dgm:styleLbl>
+  <dgm:styleLbl name="fgShp">
+    <dgm:scene3d>
+      <a:camera prst="orthographicFront"/>
+      <a:lightRig rig="threePt" dir="t"/>
+    </dgm:scene3d>
+    <dgm:sp3d/>
+    <dgm:txPr/>
+    <dgm:style>
+      <a:lnRef idx="2">
+        <a:scrgbClr r="0" g="0" b="0"/>
+      </a:lnRef>
+      <a:fillRef idx="1">
+        <a:scrgbClr r="0" g="0" b="0"/>
+      </a:fillRef>
+      <a:effectRef idx="0">
+        <a:scrgbClr r="0" g="0" b="0"/>
+      </a:effectRef>
+      <a:fontRef idx="minor"/>
+    </dgm:style>
+  </dgm:styleLbl>
+  <dgm:styleLbl name="revTx">
+    <dgm:scene3d>
+      <a:camera prst="orthographicFront"/>
+      <a:lightRig rig="threePt" dir="t"/>
+    </dgm:scene3d>
+    <dgm:sp3d/>
+    <dgm:txPr/>
+    <dgm:style>
+      <a:lnRef idx="0">
+        <a:scrgbClr r="0" g="0" b="0"/>
+      </a:lnRef>
+      <a:fillRef idx="0">
+        <a:scrgbClr r="0" g="0" b="0"/>
+      </a:fillRef>
+      <a:effectRef idx="0">
+        <a:scrgbClr r="0" g="0" b="0"/>
+      </a:effectRef>
+      <a:fontRef idx="minor"/>
+    </dgm:style>
+  </dgm:styleLbl>
+</dgm:styleDef>
+</file>
+
+<file path=ppt/notesMasters/notesMaster1.xml><?xml version="1.0" encoding="utf-8"?>
+<p:notesMaster xmlns:a="http://schemas.openxmlformats.org/drawingml/2006/main" xmlns:r="http://schemas.openxmlformats.org/officeDocument/2006/relationships" xmlns:p="http://schemas.openxmlformats.org/presentationml/2006/main">
+  <p:cSld>
+    <p:bg>
+      <p:bgRef idx="1001">
+        <a:schemeClr val="bg1"/>
+      </p:bgRef>
+    </p:bg>
+    <p:spTree>
+      <p:nvGrpSpPr>
+        <p:cNvPr id="1" name=""/>
+        <p:cNvGrpSpPr/>
+        <p:nvPr/>
+      </p:nvGrpSpPr>
+      <p:grpSpPr>
+        <a:xfrm>
+          <a:off x="0" y="0"/>
+          <a:ext cx="0" cy="0"/>
+          <a:chOff x="0" y="0"/>
+          <a:chExt cx="0" cy="0"/>
+        </a:xfrm>
+      </p:grpSpPr>
+      <p:sp>
+        <p:nvSpPr>
+          <p:cNvPr id="2" name="Header Placeholder 1"/>
+          <p:cNvSpPr>
+            <a:spLocks noGrp="1"/>
+          </p:cNvSpPr>
+          <p:nvPr>
+            <p:ph type="hdr" sz="quarter"/>
+          </p:nvPr>
+        </p:nvSpPr>
+        <p:spPr>
+          <a:xfrm>
+            <a:off x="0" y="0"/>
+            <a:ext cx="2971800" cy="458788"/>
+          </a:xfrm>
+          <a:prstGeom prst="rect">
+            <a:avLst/>
+          </a:prstGeom>
+        </p:spPr>
+        <p:txBody>
+          <a:bodyPr vert="horz" lIns="91440" tIns="45720" rIns="91440" bIns="45720" rtlCol="0"/>
+          <a:lstStyle>
+            <a:lvl1pPr algn="l">
+              <a:defRPr sz="1200"/>
+            </a:lvl1pPr>
+          </a:lstStyle>
+          <a:p>
+            <a:endParaRPr lang="en-US"/>
+          </a:p>
+        </p:txBody>
+      </p:sp>
+      <p:sp>
+        <p:nvSpPr>
+          <p:cNvPr id="3" name="Date Placeholder 2"/>
+          <p:cNvSpPr>
+            <a:spLocks noGrp="1"/>
+          </p:cNvSpPr>
+          <p:nvPr>
+            <p:ph type="dt" idx="1"/>
+          </p:nvPr>
+        </p:nvSpPr>
+        <p:spPr>
+          <a:xfrm>
+            <a:off x="3884613" y="0"/>
+            <a:ext cx="2971800" cy="458788"/>
+          </a:xfrm>
+          <a:prstGeom prst="rect">
+            <a:avLst/>
+          </a:prstGeom>
+        </p:spPr>
+        <p:txBody>
+          <a:bodyPr vert="horz" lIns="91440" tIns="45720" rIns="91440" bIns="45720" rtlCol="0"/>
+          <a:lstStyle>
+            <a:lvl1pPr algn="r">
+              <a:defRPr sz="1200"/>
+            </a:lvl1pPr>
+          </a:lstStyle>
+          <a:p>
+            <a:fld id="{0CA997AA-1F67-41D1-8CD0-87B140A26AA3}" type="datetimeFigureOut">
+              <a:rPr lang="en-US" smtClean="0"/>
+              <a:t>8/8/2024</a:t>
+            </a:fld>
+            <a:endParaRPr lang="en-US"/>
+          </a:p>
+        </p:txBody>
+      </p:sp>
+      <p:sp>
+        <p:nvSpPr>
+          <p:cNvPr id="4" name="Slide Image Placeholder 3"/>
+          <p:cNvSpPr>
+            <a:spLocks noGrp="1" noRot="1" noChangeAspect="1"/>
+          </p:cNvSpPr>
+          <p:nvPr>
+            <p:ph type="sldImg" idx="2"/>
+          </p:nvPr>
+        </p:nvSpPr>
+        <p:spPr>
+          <a:xfrm>
+            <a:off x="685800" y="1143000"/>
+            <a:ext cx="5486400" cy="3086100"/>
+          </a:xfrm>
+          <a:prstGeom prst="rect">
+            <a:avLst/>
+          </a:prstGeom>
+          <a:noFill/>
+          <a:ln w="12700">
+            <a:solidFill>
+              <a:prstClr val="black"/>
+            </a:solidFill>
+          </a:ln>
+        </p:spPr>
+        <p:txBody>
+          <a:bodyPr vert="horz" lIns="91440" tIns="45720" rIns="91440" bIns="45720" rtlCol="0" anchor="ctr"/>
+          <a:lstStyle/>
+          <a:p>
+            <a:endParaRPr lang="en-US"/>
+          </a:p>
+        </p:txBody>
+      </p:sp>
+      <p:sp>
+        <p:nvSpPr>
+          <p:cNvPr id="5" name="Notes Placeholder 4"/>
+          <p:cNvSpPr>
+            <a:spLocks noGrp="1"/>
+          </p:cNvSpPr>
+          <p:nvPr>
+            <p:ph type="body" sz="quarter" idx="3"/>
+          </p:nvPr>
+        </p:nvSpPr>
+        <p:spPr>
+          <a:xfrm>
+            <a:off x="685800" y="4400550"/>
+            <a:ext cx="5486400" cy="3600450"/>
+          </a:xfrm>
+          <a:prstGeom prst="rect">
+            <a:avLst/>
+          </a:prstGeom>
+        </p:spPr>
+        <p:txBody>
+          <a:bodyPr vert="horz" lIns="91440" tIns="45720" rIns="91440" bIns="45720" rtlCol="0"/>
+          <a:lstStyle/>
+          <a:p>
+            <a:pPr lvl="0"/>
+            <a:r>
+              <a:rPr lang="en-GB"/>
+              <a:t>Click to edit Master text styles</a:t>
+            </a:r>
+          </a:p>
+          <a:p>
+            <a:pPr lvl="1"/>
+            <a:r>
+              <a:rPr lang="en-GB"/>
+              <a:t>Second level</a:t>
+            </a:r>
+          </a:p>
+          <a:p>
+            <a:pPr lvl="2"/>
+            <a:r>
+              <a:rPr lang="en-GB"/>
+              <a:t>Third level</a:t>
+            </a:r>
+          </a:p>
+          <a:p>
+            <a:pPr lvl="3"/>
+            <a:r>
+              <a:rPr lang="en-GB"/>
+              <a:t>Fourth level</a:t>
+            </a:r>
+          </a:p>
+          <a:p>
+            <a:pPr lvl="4"/>
+            <a:r>
+              <a:rPr lang="en-GB"/>
+              <a:t>Fifth level</a:t>
+            </a:r>
+            <a:endParaRPr lang="en-US"/>
+          </a:p>
+        </p:txBody>
+      </p:sp>
+      <p:sp>
+        <p:nvSpPr>
+          <p:cNvPr id="6" name="Footer Placeholder 5"/>
+          <p:cNvSpPr>
+            <a:spLocks noGrp="1"/>
+          </p:cNvSpPr>
+          <p:nvPr>
+            <p:ph type="ftr" sz="quarter" idx="4"/>
+          </p:nvPr>
+        </p:nvSpPr>
+        <p:spPr>
+          <a:xfrm>
+            <a:off x="0" y="8685213"/>
+            <a:ext cx="2971800" cy="458787"/>
+          </a:xfrm>
+          <a:prstGeom prst="rect">
+            <a:avLst/>
+          </a:prstGeom>
+        </p:spPr>
+        <p:txBody>
+          <a:bodyPr vert="horz" lIns="91440" tIns="45720" rIns="91440" bIns="45720" rtlCol="0" anchor="b"/>
+          <a:lstStyle>
+            <a:lvl1pPr algn="l">
+              <a:defRPr sz="1200"/>
+            </a:lvl1pPr>
+          </a:lstStyle>
+          <a:p>
+            <a:endParaRPr lang="en-US"/>
+          </a:p>
+        </p:txBody>
+      </p:sp>
+      <p:sp>
+        <p:nvSpPr>
+          <p:cNvPr id="7" name="Slide Number Placeholder 6"/>
+          <p:cNvSpPr>
+            <a:spLocks noGrp="1"/>
+          </p:cNvSpPr>
+          <p:nvPr>
+            <p:ph type="sldNum" sz="quarter" idx="5"/>
+          </p:nvPr>
+        </p:nvSpPr>
+        <p:spPr>
+          <a:xfrm>
+            <a:off x="3884613" y="8685213"/>
+            <a:ext cx="2971800" cy="458787"/>
+          </a:xfrm>
+          <a:prstGeom prst="rect">
+            <a:avLst/>
+          </a:prstGeom>
+        </p:spPr>
+        <p:txBody>
+          <a:bodyPr vert="horz" lIns="91440" tIns="45720" rIns="91440" bIns="45720" rtlCol="0" anchor="b"/>
+          <a:lstStyle>
+            <a:lvl1pPr algn="r">
+              <a:defRPr sz="1200"/>
+            </a:lvl1pPr>
+          </a:lstStyle>
+          <a:p>
+            <a:fld id="{E4BD73CC-1633-4D36-AACC-E01F5A86D8E3}" type="slidenum">
+              <a:rPr lang="en-US" smtClean="0"/>
+              <a:t>‹#›</a:t>
+            </a:fld>
+            <a:endParaRPr lang="en-US"/>
+          </a:p>
+        </p:txBody>
+      </p:sp>
+    </p:spTree>
+    <p:extLst>
+      <p:ext uri="{BB962C8B-B14F-4D97-AF65-F5344CB8AC3E}">
+        <p14:creationId xmlns:p14="http://schemas.microsoft.com/office/powerpoint/2010/main" val="3355495122"/>
+      </p:ext>
+    </p:extLst>
+  </p:cSld>
+  <p:clrMap bg1="lt1" tx1="dk1" bg2="lt2" tx2="dk2" accent1="accent1" accent2="accent2" accent3="accent3" accent4="accent4" accent5="accent5" accent6="accent6" hlink="hlink" folHlink="folHlink"/>
+  <p:notesStyle>
+    <a:lvl1pPr marL="0" algn="l" defTabSz="914400" rtl="0" eaLnBrk="1" latinLnBrk="0" hangingPunct="1">
+      <a:defRPr sz="1200" kern="1200">
+        <a:solidFill>
+          <a:schemeClr val="tx1"/>
+        </a:solidFill>
+        <a:latin typeface="+mn-lt"/>
+        <a:ea typeface="+mn-ea"/>
+        <a:cs typeface="+mn-cs"/>
+      </a:defRPr>
+    </a:lvl1pPr>
+    <a:lvl2pPr marL="457200" algn="l" defTabSz="914400" rtl="0" eaLnBrk="1" latinLnBrk="0" hangingPunct="1">
+      <a:defRPr sz="1200" kern="1200">
+        <a:solidFill>
+          <a:schemeClr val="tx1"/>
+        </a:solidFill>
+        <a:latin typeface="+mn-lt"/>
+        <a:ea typeface="+mn-ea"/>
+        <a:cs typeface="+mn-cs"/>
+      </a:defRPr>
+    </a:lvl2pPr>
+    <a:lvl3pPr marL="914400" algn="l" defTabSz="914400" rtl="0" eaLnBrk="1" latinLnBrk="0" hangingPunct="1">
+      <a:defRPr sz="1200" kern="1200">
+        <a:solidFill>
+          <a:schemeClr val="tx1"/>
+        </a:solidFill>
+        <a:latin typeface="+mn-lt"/>
+        <a:ea typeface="+mn-ea"/>
+        <a:cs typeface="+mn-cs"/>
+      </a:defRPr>
+    </a:lvl3pPr>
+    <a:lvl4pPr marL="1371600" algn="l" defTabSz="914400" rtl="0" eaLnBrk="1" latinLnBrk="0" hangingPunct="1">
+      <a:defRPr sz="1200" kern="1200">
+        <a:solidFill>
+          <a:schemeClr val="tx1"/>
+        </a:solidFill>
+        <a:latin typeface="+mn-lt"/>
+        <a:ea typeface="+mn-ea"/>
+        <a:cs typeface="+mn-cs"/>
+      </a:defRPr>
+    </a:lvl4pPr>
+    <a:lvl5pPr marL="1828800" algn="l" defTabSz="914400" rtl="0" eaLnBrk="1" latinLnBrk="0" hangingPunct="1">
+      <a:defRPr sz="1200" kern="1200">
+        <a:solidFill>
+          <a:schemeClr val="tx1"/>
+        </a:solidFill>
+        <a:latin typeface="+mn-lt"/>
+        <a:ea typeface="+mn-ea"/>
+        <a:cs typeface="+mn-cs"/>
+      </a:defRPr>
+    </a:lvl5pPr>
+    <a:lvl6pPr marL="2286000" algn="l" defTabSz="914400" rtl="0" eaLnBrk="1" latinLnBrk="0" hangingPunct="1">
+      <a:defRPr sz="1200" kern="1200">
+        <a:solidFill>
+          <a:schemeClr val="tx1"/>
+        </a:solidFill>
+        <a:latin typeface="+mn-lt"/>
+        <a:ea typeface="+mn-ea"/>
+        <a:cs typeface="+mn-cs"/>
+      </a:defRPr>
+    </a:lvl6pPr>
+    <a:lvl7pPr marL="2743200" algn="l" defTabSz="914400" rtl="0" eaLnBrk="1" latinLnBrk="0" hangingPunct="1">
+      <a:defRPr sz="1200" kern="1200">
+        <a:solidFill>
+          <a:schemeClr val="tx1"/>
+        </a:solidFill>
+        <a:latin typeface="+mn-lt"/>
+        <a:ea typeface="+mn-ea"/>
+        <a:cs typeface="+mn-cs"/>
+      </a:defRPr>
+    </a:lvl7pPr>
+    <a:lvl8pPr marL="3200400" algn="l" defTabSz="914400" rtl="0" eaLnBrk="1" latinLnBrk="0" hangingPunct="1">
+      <a:defRPr sz="1200" kern="1200">
+        <a:solidFill>
+          <a:schemeClr val="tx1"/>
+        </a:solidFill>
+        <a:latin typeface="+mn-lt"/>
+        <a:ea typeface="+mn-ea"/>
+        <a:cs typeface="+mn-cs"/>
+      </a:defRPr>
+    </a:lvl8pPr>
+    <a:lvl9pPr marL="3657600" algn="l" defTabSz="914400" rtl="0" eaLnBrk="1" latinLnBrk="0" hangingPunct="1">
+      <a:defRPr sz="1200" kern="1200">
+        <a:solidFill>
+          <a:schemeClr val="tx1"/>
+        </a:solidFill>
+        <a:latin typeface="+mn-lt"/>
+        <a:ea typeface="+mn-ea"/>
+        <a:cs typeface="+mn-cs"/>
+      </a:defRPr>
+    </a:lvl9pPr>
+  </p:notesStyle>
+</p:notesMaster>
+</file>
+
+<file path=ppt/notesSlides/notesSlide1.xml><?xml version="1.0" encoding="utf-8"?>
+<p:notes xmlns:a="http://schemas.openxmlformats.org/drawingml/2006/main" xmlns:r="http://schemas.openxmlformats.org/officeDocument/2006/relationships" xmlns:p="http://schemas.openxmlformats.org/presentationml/2006/main">
+  <p:cSld>
+    <p:spTree>
+      <p:nvGrpSpPr>
+        <p:cNvPr id="1" name=""/>
+        <p:cNvGrpSpPr/>
+        <p:nvPr/>
+      </p:nvGrpSpPr>
+      <p:grpSpPr>
+        <a:xfrm>
+          <a:off x="0" y="0"/>
+          <a:ext cx="0" cy="0"/>
+          <a:chOff x="0" y="0"/>
+          <a:chExt cx="0" cy="0"/>
+        </a:xfrm>
+      </p:grpSpPr>
+      <p:sp>
+        <p:nvSpPr>
+          <p:cNvPr id="2" name="Slide Image Placeholder 1"/>
+          <p:cNvSpPr>
+            <a:spLocks noGrp="1" noRot="1" noChangeAspect="1"/>
+          </p:cNvSpPr>
+          <p:nvPr>
+            <p:ph type="sldImg"/>
+          </p:nvPr>
+        </p:nvSpPr>
+        <p:spPr/>
+      </p:sp>
+      <p:sp>
+        <p:nvSpPr>
+          <p:cNvPr id="3" name="Notes Placeholder 2"/>
+          <p:cNvSpPr>
+            <a:spLocks noGrp="1"/>
+          </p:cNvSpPr>
+          <p:nvPr>
+            <p:ph type="body" idx="1"/>
+          </p:nvPr>
+        </p:nvSpPr>
+        <p:spPr/>
+        <p:txBody>
+          <a:bodyPr/>
+          <a:lstStyle/>
+          <a:p>
+            <a:r>
+              <a:rPr lang="en-GB" dirty="0"/>
+              <a:t>Evolving morphology-controller pairs</a:t>
+            </a:r>
+          </a:p>
+          <a:p>
+            <a:pPr marL="171450" indent="-171450">
+              <a:buFontTx/>
+              <a:buChar char="-"/>
+            </a:pPr>
+            <a:r>
+              <a:rPr lang="en-GB" dirty="0"/>
+              <a:t>More effective AI agent systems, due to embodied cognition</a:t>
+            </a:r>
+          </a:p>
+          <a:p>
+            <a:pPr marL="171450" indent="-171450">
+              <a:buFontTx/>
+              <a:buChar char="-"/>
+            </a:pPr>
+            <a:r>
+              <a:rPr lang="en-US" dirty="0"/>
+              <a:t>Avoiding conventional physical design stage</a:t>
+            </a:r>
+          </a:p>
+          <a:p>
+            <a:pPr lvl="2"/>
+            <a:endParaRPr lang="en-US" dirty="0"/>
+          </a:p>
+          <a:p>
+            <a:r>
+              <a:rPr lang="en-US" dirty="0"/>
+              <a:t>Evolving generalist </a:t>
+            </a:r>
+            <a:r>
+              <a:rPr lang="en-GB" dirty="0"/>
+              <a:t>morphology-controller pairs</a:t>
+            </a:r>
+            <a:endParaRPr lang="en-US" dirty="0"/>
+          </a:p>
+          <a:p>
+            <a:pPr marL="171450" indent="-171450">
+              <a:buFontTx/>
+              <a:buChar char="-"/>
+            </a:pPr>
+            <a:r>
+              <a:rPr lang="en-US" dirty="0"/>
+              <a:t>Practicality due to real-world being dynamic and unpredictable providing more reliability</a:t>
+            </a:r>
+          </a:p>
+          <a:p>
+            <a:endParaRPr lang="en-US" dirty="0"/>
+          </a:p>
+        </p:txBody>
+      </p:sp>
+      <p:sp>
+        <p:nvSpPr>
+          <p:cNvPr id="4" name="Slide Number Placeholder 3"/>
+          <p:cNvSpPr>
+            <a:spLocks noGrp="1"/>
+          </p:cNvSpPr>
+          <p:nvPr>
+            <p:ph type="sldNum" sz="quarter" idx="5"/>
+          </p:nvPr>
+        </p:nvSpPr>
+        <p:spPr/>
+        <p:txBody>
+          <a:bodyPr/>
+          <a:lstStyle/>
+          <a:p>
+            <a:fld id="{E4BD73CC-1633-4D36-AACC-E01F5A86D8E3}" type="slidenum">
+              <a:rPr lang="en-US" smtClean="0"/>
+              <a:t>3</a:t>
+            </a:fld>
+            <a:endParaRPr lang="en-US"/>
+          </a:p>
+        </p:txBody>
+      </p:sp>
+    </p:spTree>
+    <p:extLst>
+      <p:ext uri="{BB962C8B-B14F-4D97-AF65-F5344CB8AC3E}">
+        <p14:creationId xmlns:p14="http://schemas.microsoft.com/office/powerpoint/2010/main" val="1263064587"/>
+      </p:ext>
+    </p:extLst>
+  </p:cSld>
+  <p:clrMapOvr>
+    <a:masterClrMapping/>
+  </p:clrMapOvr>
+</p:notes>
+</file>
+
+<file path=ppt/notesSlides/notesSlide2.xml><?xml version="1.0" encoding="utf-8"?>
+<p:notes xmlns:a="http://schemas.openxmlformats.org/drawingml/2006/main" xmlns:r="http://schemas.openxmlformats.org/officeDocument/2006/relationships" xmlns:p="http://schemas.openxmlformats.org/presentationml/2006/main">
+  <p:cSld>
+    <p:spTree>
+      <p:nvGrpSpPr>
+        <p:cNvPr id="1" name=""/>
+        <p:cNvGrpSpPr/>
+        <p:nvPr/>
+      </p:nvGrpSpPr>
+      <p:grpSpPr>
+        <a:xfrm>
+          <a:off x="0" y="0"/>
+          <a:ext cx="0" cy="0"/>
+          <a:chOff x="0" y="0"/>
+          <a:chExt cx="0" cy="0"/>
+        </a:xfrm>
+      </p:grpSpPr>
+      <p:sp>
+        <p:nvSpPr>
+          <p:cNvPr id="2" name="Slide Image Placeholder 1"/>
+          <p:cNvSpPr>
+            <a:spLocks noGrp="1" noRot="1" noChangeAspect="1"/>
+          </p:cNvSpPr>
+          <p:nvPr>
+            <p:ph type="sldImg"/>
+          </p:nvPr>
+        </p:nvSpPr>
+        <p:spPr/>
+      </p:sp>
+      <p:sp>
+        <p:nvSpPr>
+          <p:cNvPr id="3" name="Notes Placeholder 2"/>
+          <p:cNvSpPr>
+            <a:spLocks noGrp="1"/>
+          </p:cNvSpPr>
+          <p:nvPr>
+            <p:ph type="body" idx="1"/>
+          </p:nvPr>
+        </p:nvSpPr>
+        <p:spPr/>
+        <p:txBody>
+          <a:bodyPr/>
+          <a:lstStyle/>
+          <a:p>
+            <a:r>
+              <a:rPr lang="en-GB" dirty="0"/>
+              <a:t>Total of 85 environments</a:t>
+            </a:r>
+            <a:endParaRPr lang="en-US" dirty="0"/>
+          </a:p>
+        </p:txBody>
+      </p:sp>
+      <p:sp>
+        <p:nvSpPr>
+          <p:cNvPr id="4" name="Slide Number Placeholder 3"/>
+          <p:cNvSpPr>
+            <a:spLocks noGrp="1"/>
+          </p:cNvSpPr>
+          <p:nvPr>
+            <p:ph type="sldNum" sz="quarter" idx="5"/>
+          </p:nvPr>
+        </p:nvSpPr>
+        <p:spPr/>
+        <p:txBody>
+          <a:bodyPr/>
+          <a:lstStyle/>
+          <a:p>
+            <a:fld id="{E4BD73CC-1633-4D36-AACC-E01F5A86D8E3}" type="slidenum">
+              <a:rPr lang="en-US" smtClean="0"/>
+              <a:t>4</a:t>
+            </a:fld>
+            <a:endParaRPr lang="en-US"/>
+          </a:p>
+        </p:txBody>
+      </p:sp>
+    </p:spTree>
+    <p:extLst>
+      <p:ext uri="{BB962C8B-B14F-4D97-AF65-F5344CB8AC3E}">
+        <p14:creationId xmlns:p14="http://schemas.microsoft.com/office/powerpoint/2010/main" val="3586059306"/>
+      </p:ext>
+    </p:extLst>
+  </p:cSld>
+  <p:clrMapOvr>
+    <a:masterClrMapping/>
+  </p:clrMapOvr>
+</p:notes>
 </file>
 
 <file path=ppt/slideLayouts/slideLayout1.xml><?xml version="1.0" encoding="utf-8"?>
@@ -256,7 +3392,7 @@
           <a:p>
             <a:fld id="{3C2B07E4-CDF9-4C88-A2F3-04620E58224D}" type="datetimeFigureOut">
               <a:rPr lang="en-US" smtClean="0"/>
-              <a:t>8/5/2024</a:t>
+              <a:t>8/8/2024</a:t>
             </a:fld>
             <a:endParaRPr lang="en-US"/>
           </a:p>
@@ -546,7 +3682,7 @@
           <a:p>
             <a:fld id="{3C2B07E4-CDF9-4C88-A2F3-04620E58224D}" type="datetimeFigureOut">
               <a:rPr lang="en-US" smtClean="0"/>
-              <a:t>8/5/2024</a:t>
+              <a:t>8/8/2024</a:t>
             </a:fld>
             <a:endParaRPr lang="en-US"/>
           </a:p>
@@ -798,7 +3934,7 @@
           <a:p>
             <a:fld id="{3C2B07E4-CDF9-4C88-A2F3-04620E58224D}" type="datetimeFigureOut">
               <a:rPr lang="en-US" smtClean="0"/>
-              <a:t>8/5/2024</a:t>
+              <a:t>8/8/2024</a:t>
             </a:fld>
             <a:endParaRPr lang="en-US"/>
           </a:p>
@@ -1050,7 +4186,7 @@
           <a:p>
             <a:fld id="{3C2B07E4-CDF9-4C88-A2F3-04620E58224D}" type="datetimeFigureOut">
               <a:rPr lang="en-US" smtClean="0"/>
-              <a:t>8/5/2024</a:t>
+              <a:t>8/8/2024</a:t>
             </a:fld>
             <a:endParaRPr lang="en-US"/>
           </a:p>
@@ -1379,7 +4515,7 @@
           <a:p>
             <a:fld id="{3C2B07E4-CDF9-4C88-A2F3-04620E58224D}" type="datetimeFigureOut">
               <a:rPr lang="en-US" smtClean="0"/>
-              <a:t>8/5/2024</a:t>
+              <a:t>8/8/2024</a:t>
             </a:fld>
             <a:endParaRPr lang="en-US"/>
           </a:p>
@@ -1729,7 +4865,7 @@
           <a:p>
             <a:fld id="{3C2B07E4-CDF9-4C88-A2F3-04620E58224D}" type="datetimeFigureOut">
               <a:rPr lang="en-US" smtClean="0"/>
-              <a:t>8/5/2024</a:t>
+              <a:t>8/8/2024</a:t>
             </a:fld>
             <a:endParaRPr lang="en-US"/>
           </a:p>
@@ -2241,7 +5377,7 @@
           <a:p>
             <a:fld id="{3C2B07E4-CDF9-4C88-A2F3-04620E58224D}" type="datetimeFigureOut">
               <a:rPr lang="en-US" smtClean="0"/>
-              <a:t>8/5/2024</a:t>
+              <a:t>8/8/2024</a:t>
             </a:fld>
             <a:endParaRPr lang="en-US"/>
           </a:p>
@@ -2569,7 +5705,7 @@
           <a:p>
             <a:fld id="{3C2B07E4-CDF9-4C88-A2F3-04620E58224D}" type="datetimeFigureOut">
               <a:rPr lang="en-US" smtClean="0"/>
-              <a:t>8/5/2024</a:t>
+              <a:t>8/8/2024</a:t>
             </a:fld>
             <a:endParaRPr lang="en-US"/>
           </a:p>
@@ -2682,7 +5818,7 @@
           <a:p>
             <a:fld id="{3C2B07E4-CDF9-4C88-A2F3-04620E58224D}" type="datetimeFigureOut">
               <a:rPr lang="en-US" smtClean="0"/>
-              <a:t>8/5/2024</a:t>
+              <a:t>8/8/2024</a:t>
             </a:fld>
             <a:endParaRPr lang="en-US"/>
           </a:p>
@@ -3023,7 +6159,7 @@
           <a:p>
             <a:fld id="{3C2B07E4-CDF9-4C88-A2F3-04620E58224D}" type="datetimeFigureOut">
               <a:rPr lang="en-US" smtClean="0"/>
-              <a:t>8/5/2024</a:t>
+              <a:t>8/8/2024</a:t>
             </a:fld>
             <a:endParaRPr lang="en-US"/>
           </a:p>
@@ -3323,7 +6459,7 @@
           <a:p>
             <a:fld id="{3C2B07E4-CDF9-4C88-A2F3-04620E58224D}" type="datetimeFigureOut">
               <a:rPr lang="en-US" smtClean="0"/>
-              <a:t>8/5/2024</a:t>
+              <a:t>8/8/2024</a:t>
             </a:fld>
             <a:endParaRPr lang="en-US"/>
           </a:p>
@@ -3563,7 +6699,7 @@
             <a:fld id="{3C2B07E4-CDF9-4C88-A2F3-04620E58224D}" type="datetimeFigureOut">
               <a:rPr lang="en-US" smtClean="0"/>
               <a:pPr/>
-              <a:t>8/5/2024</a:t>
+              <a:t>8/8/2024</a:t>
             </a:fld>
             <a:endParaRPr lang="en-US" dirty="0"/>
           </a:p>
@@ -4139,7 +7275,26 @@
           <a:lstStyle/>
           <a:p>
             <a:pPr algn="ctr"/>
-            <a:endParaRPr lang="en-US"/>
+            <a:r>
+              <a:rPr lang="en-GB" dirty="0" err="1"/>
+              <a:t>Kubilay</a:t>
+            </a:r>
+            <a:r>
+              <a:rPr lang="en-GB" dirty="0"/>
+              <a:t> Tarhan</a:t>
+            </a:r>
+          </a:p>
+          <a:p>
+            <a:pPr algn="ctr"/>
+            <a:r>
+              <a:rPr lang="en-GB" dirty="0"/>
+              <a:t>Supervisor: Anil </a:t>
+            </a:r>
+            <a:r>
+              <a:rPr lang="en-GB" dirty="0" err="1"/>
+              <a:t>Yaman</a:t>
+            </a:r>
+            <a:endParaRPr lang="en-US" dirty="0"/>
           </a:p>
         </p:txBody>
       </p:sp>
@@ -4303,6 +7458,749 @@
   </p:cSld>
   <p:clrMapOvr>
     <a:overrideClrMapping bg1="lt1" tx1="dk1" bg2="lt2" tx2="dk2" accent1="accent1" accent2="accent2" accent3="accent3" accent4="accent4" accent5="accent5" accent6="accent6" hlink="hlink" folHlink="folHlink"/>
+  </p:clrMapOvr>
+</p:sld>
+</file>
+
+<file path=ppt/slides/slide2.xml><?xml version="1.0" encoding="utf-8"?>
+<p:sld xmlns:a="http://schemas.openxmlformats.org/drawingml/2006/main" xmlns:r="http://schemas.openxmlformats.org/officeDocument/2006/relationships" xmlns:p="http://schemas.openxmlformats.org/presentationml/2006/main">
+  <p:cSld>
+    <p:bg>
+      <p:bgPr>
+        <a:solidFill>
+          <a:schemeClr val="bg1"/>
+        </a:solidFill>
+        <a:effectLst/>
+      </p:bgPr>
+    </p:bg>
+    <p:spTree>
+      <p:nvGrpSpPr>
+        <p:cNvPr id="1" name=""/>
+        <p:cNvGrpSpPr/>
+        <p:nvPr/>
+      </p:nvGrpSpPr>
+      <p:grpSpPr>
+        <a:xfrm>
+          <a:off x="0" y="0"/>
+          <a:ext cx="0" cy="0"/>
+          <a:chOff x="0" y="0"/>
+          <a:chExt cx="0" cy="0"/>
+        </a:xfrm>
+      </p:grpSpPr>
+      <p:sp useBgFill="1">
+        <p:nvSpPr>
+          <p:cNvPr id="15" name="Rectangle 14">
+            <a:extLst>
+              <a:ext uri="{FF2B5EF4-FFF2-40B4-BE49-F238E27FC236}">
+                <a16:creationId xmlns:a16="http://schemas.microsoft.com/office/drawing/2014/main" id="{A4E9F8B3-8282-4A93-BBF8-3342538A70FB}"/>
+              </a:ext>
+              <a:ext uri="{C183D7F6-B498-43B3-948B-1728B52AA6E4}">
+                <adec:decorative xmlns:adec="http://schemas.microsoft.com/office/drawing/2017/decorative" val="1"/>
+              </a:ext>
+            </a:extLst>
+          </p:cNvPr>
+          <p:cNvSpPr>
+            <a:spLocks noGrp="1" noRot="1" noChangeAspect="1" noMove="1" noResize="1" noEditPoints="1" noAdjustHandles="1" noChangeArrowheads="1" noChangeShapeType="1" noTextEdit="1"/>
+          </p:cNvSpPr>
+          <p:nvPr>
+            <p:extLst>
+              <p:ext uri="{386F3935-93C4-4BCD-93E2-E3B085C9AB24}">
+                <p16:designElem xmlns:p16="http://schemas.microsoft.com/office/powerpoint/2015/main" val="1"/>
+              </p:ext>
+            </p:extLst>
+          </p:nvPr>
+        </p:nvSpPr>
+        <p:spPr>
+          <a:xfrm>
+            <a:off x="0" y="0"/>
+            <a:ext cx="12192000" cy="6858000"/>
+          </a:xfrm>
+          <a:prstGeom prst="rect">
+            <a:avLst/>
+          </a:prstGeom>
+          <a:ln w="12700" cap="flat" cmpd="sng" algn="ctr">
+            <a:noFill/>
+            <a:prstDash val="solid"/>
+            <a:miter lim="800000"/>
+          </a:ln>
+          <a:effectLst/>
+        </p:spPr>
+        <p:style>
+          <a:lnRef idx="2">
+            <a:schemeClr val="accent1">
+              <a:shade val="50000"/>
+            </a:schemeClr>
+          </a:lnRef>
+          <a:fillRef idx="1">
+            <a:schemeClr val="accent1"/>
+          </a:fillRef>
+          <a:effectRef idx="0">
+            <a:schemeClr val="accent1"/>
+          </a:effectRef>
+          <a:fontRef idx="minor">
+            <a:schemeClr val="lt1"/>
+          </a:fontRef>
+        </p:style>
+        <p:txBody>
+          <a:bodyPr rtlCol="0" anchor="ctr"/>
+          <a:lstStyle/>
+          <a:p>
+            <a:pPr algn="ctr"/>
+            <a:endParaRPr lang="en-US"/>
+          </a:p>
+        </p:txBody>
+      </p:sp>
+      <p:sp>
+        <p:nvSpPr>
+          <p:cNvPr id="2" name="Title 1">
+            <a:extLst>
+              <a:ext uri="{FF2B5EF4-FFF2-40B4-BE49-F238E27FC236}">
+                <a16:creationId xmlns:a16="http://schemas.microsoft.com/office/drawing/2014/main" id="{5C4BC3D6-9188-8B92-1CE7-6146900BED83}"/>
+              </a:ext>
+            </a:extLst>
+          </p:cNvPr>
+          <p:cNvSpPr>
+            <a:spLocks noGrp="1"/>
+          </p:cNvSpPr>
+          <p:nvPr>
+            <p:ph type="title"/>
+          </p:nvPr>
+        </p:nvSpPr>
+        <p:spPr>
+          <a:xfrm>
+            <a:off x="1429566" y="1045445"/>
+            <a:ext cx="9238434" cy="857559"/>
+          </a:xfrm>
+        </p:spPr>
+        <p:txBody>
+          <a:bodyPr>
+            <a:normAutofit/>
+          </a:bodyPr>
+          <a:lstStyle/>
+          <a:p>
+            <a:r>
+              <a:rPr lang="en-GB"/>
+              <a:t>Main question</a:t>
+            </a:r>
+            <a:endParaRPr lang="en-US" dirty="0"/>
+          </a:p>
+        </p:txBody>
+      </p:sp>
+      <p:cxnSp>
+        <p:nvCxnSpPr>
+          <p:cNvPr id="17" name="Straight Connector 16">
+            <a:extLst>
+              <a:ext uri="{FF2B5EF4-FFF2-40B4-BE49-F238E27FC236}">
+                <a16:creationId xmlns:a16="http://schemas.microsoft.com/office/drawing/2014/main" id="{58EFA797-975B-41D8-BC96-56CDC2CFA3E4}"/>
+              </a:ext>
+              <a:ext uri="{C183D7F6-B498-43B3-948B-1728B52AA6E4}">
+                <adec:decorative xmlns:adec="http://schemas.microsoft.com/office/drawing/2017/decorative" val="1"/>
+              </a:ext>
+            </a:extLst>
+          </p:cNvPr>
+          <p:cNvCxnSpPr>
+            <a:cxnSpLocks noGrp="1" noRot="1" noChangeAspect="1" noMove="1" noResize="1" noEditPoints="1" noAdjustHandles="1" noChangeArrowheads="1" noChangeShapeType="1"/>
+          </p:cNvCxnSpPr>
+          <p:nvPr>
+            <p:extLst>
+              <p:ext uri="{386F3935-93C4-4BCD-93E2-E3B085C9AB24}">
+                <p16:designElem xmlns:p16="http://schemas.microsoft.com/office/powerpoint/2015/main" val="1"/>
+              </p:ext>
+            </p:extLst>
+          </p:nvPr>
+        </p:nvCxnSpPr>
+        <p:spPr>
+          <a:xfrm>
+            <a:off x="1524000" y="2286000"/>
+            <a:ext cx="971155" cy="0"/>
+          </a:xfrm>
+          <a:prstGeom prst="line">
+            <a:avLst/>
+          </a:prstGeom>
+          <a:ln w="31750">
+            <a:solidFill>
+              <a:schemeClr val="tx1"/>
+            </a:solidFill>
+          </a:ln>
+        </p:spPr>
+        <p:style>
+          <a:lnRef idx="1">
+            <a:schemeClr val="accent1"/>
+          </a:lnRef>
+          <a:fillRef idx="0">
+            <a:schemeClr val="accent1"/>
+          </a:fillRef>
+          <a:effectRef idx="0">
+            <a:schemeClr val="accent1"/>
+          </a:effectRef>
+          <a:fontRef idx="minor">
+            <a:schemeClr val="tx1"/>
+          </a:fontRef>
+        </p:style>
+      </p:cxnSp>
+      <p:sp>
+        <p:nvSpPr>
+          <p:cNvPr id="3" name="Content Placeholder 2">
+            <a:extLst>
+              <a:ext uri="{FF2B5EF4-FFF2-40B4-BE49-F238E27FC236}">
+                <a16:creationId xmlns:a16="http://schemas.microsoft.com/office/drawing/2014/main" id="{E75F0E47-670F-0C50-784C-503BBB599A6E}"/>
+              </a:ext>
+            </a:extLst>
+          </p:cNvPr>
+          <p:cNvSpPr>
+            <a:spLocks noGrp="1"/>
+          </p:cNvSpPr>
+          <p:nvPr>
+            <p:ph idx="1"/>
+          </p:nvPr>
+        </p:nvSpPr>
+        <p:spPr>
+          <a:xfrm>
+            <a:off x="1429566" y="2729554"/>
+            <a:ext cx="8476434" cy="3359621"/>
+          </a:xfrm>
+        </p:spPr>
+        <p:txBody>
+          <a:bodyPr>
+            <a:normAutofit/>
+          </a:bodyPr>
+          <a:lstStyle/>
+          <a:p>
+            <a:r>
+              <a:rPr lang="en-GB" dirty="0"/>
+              <a:t>Can we co-evolve a </a:t>
+            </a:r>
+            <a:r>
+              <a:rPr lang="en-GB" b="1" dirty="0"/>
+              <a:t>morphology-controller pair </a:t>
+            </a:r>
+            <a:r>
+              <a:rPr lang="en-GB" dirty="0"/>
+              <a:t>that exhibits </a:t>
+            </a:r>
+            <a:r>
+              <a:rPr lang="en-GB" b="1" dirty="0"/>
+              <a:t>generalist </a:t>
+            </a:r>
+            <a:r>
+              <a:rPr lang="en-GB" b="1" dirty="0" err="1"/>
+              <a:t>behavior</a:t>
+            </a:r>
+            <a:r>
+              <a:rPr lang="en-GB" b="1" dirty="0"/>
+              <a:t> </a:t>
+            </a:r>
+            <a:r>
+              <a:rPr lang="en-GB" dirty="0"/>
+              <a:t>to achieve high performance across a wide range of </a:t>
+            </a:r>
+            <a:r>
+              <a:rPr lang="en-GB" b="1" dirty="0"/>
+              <a:t>diverse environments</a:t>
+            </a:r>
+            <a:r>
+              <a:rPr lang="en-GB" dirty="0"/>
+              <a:t>?</a:t>
+            </a:r>
+            <a:endParaRPr lang="en-US" dirty="0"/>
+          </a:p>
+        </p:txBody>
+      </p:sp>
+    </p:spTree>
+    <p:extLst>
+      <p:ext uri="{BB962C8B-B14F-4D97-AF65-F5344CB8AC3E}">
+        <p14:creationId xmlns:p14="http://schemas.microsoft.com/office/powerpoint/2010/main" val="684669183"/>
+      </p:ext>
+    </p:extLst>
+  </p:cSld>
+  <p:clrMapOvr>
+    <a:overrideClrMapping bg1="lt1" tx1="dk1" bg2="lt2" tx2="dk2" accent1="accent1" accent2="accent2" accent3="accent3" accent4="accent4" accent5="accent5" accent6="accent6" hlink="hlink" folHlink="folHlink"/>
+  </p:clrMapOvr>
+</p:sld>
+</file>
+
+<file path=ppt/slides/slide3.xml><?xml version="1.0" encoding="utf-8"?>
+<p:sld xmlns:a="http://schemas.openxmlformats.org/drawingml/2006/main" xmlns:r="http://schemas.openxmlformats.org/officeDocument/2006/relationships" xmlns:p="http://schemas.openxmlformats.org/presentationml/2006/main">
+  <p:cSld>
+    <p:bg>
+      <p:bgPr>
+        <a:solidFill>
+          <a:schemeClr val="bg1"/>
+        </a:solidFill>
+        <a:effectLst/>
+      </p:bgPr>
+    </p:bg>
+    <p:spTree>
+      <p:nvGrpSpPr>
+        <p:cNvPr id="1" name=""/>
+        <p:cNvGrpSpPr/>
+        <p:nvPr/>
+      </p:nvGrpSpPr>
+      <p:grpSpPr>
+        <a:xfrm>
+          <a:off x="0" y="0"/>
+          <a:ext cx="0" cy="0"/>
+          <a:chOff x="0" y="0"/>
+          <a:chExt cx="0" cy="0"/>
+        </a:xfrm>
+      </p:grpSpPr>
+      <p:sp useBgFill="1">
+        <p:nvSpPr>
+          <p:cNvPr id="9" name="Rectangle 8">
+            <a:extLst>
+              <a:ext uri="{FF2B5EF4-FFF2-40B4-BE49-F238E27FC236}">
+                <a16:creationId xmlns:a16="http://schemas.microsoft.com/office/drawing/2014/main" id="{1C8B38D4-9D92-4608-A16B-260E8CC21335}"/>
+              </a:ext>
+              <a:ext uri="{C183D7F6-B498-43B3-948B-1728B52AA6E4}">
+                <adec:decorative xmlns:adec="http://schemas.microsoft.com/office/drawing/2017/decorative" val="1"/>
+              </a:ext>
+            </a:extLst>
+          </p:cNvPr>
+          <p:cNvSpPr>
+            <a:spLocks noGrp="1" noRot="1" noChangeAspect="1" noMove="1" noResize="1" noEditPoints="1" noAdjustHandles="1" noChangeArrowheads="1" noChangeShapeType="1" noTextEdit="1"/>
+          </p:cNvSpPr>
+          <p:nvPr>
+            <p:extLst>
+              <p:ext uri="{386F3935-93C4-4BCD-93E2-E3B085C9AB24}">
+                <p16:designElem xmlns:p16="http://schemas.microsoft.com/office/powerpoint/2015/main" val="1"/>
+              </p:ext>
+            </p:extLst>
+          </p:nvPr>
+        </p:nvSpPr>
+        <p:spPr>
+          <a:xfrm>
+            <a:off x="0" y="0"/>
+            <a:ext cx="12192000" cy="6858000"/>
+          </a:xfrm>
+          <a:prstGeom prst="rect">
+            <a:avLst/>
+          </a:prstGeom>
+          <a:ln w="12700" cap="flat" cmpd="sng" algn="ctr">
+            <a:noFill/>
+            <a:prstDash val="solid"/>
+            <a:miter lim="800000"/>
+          </a:ln>
+          <a:effectLst/>
+          <a:extLst>
+            <a:ext uri="{91240B29-F687-4F45-9708-019B960494DF}">
+              <a14:hiddenLine xmlns:a14="http://schemas.microsoft.com/office/drawing/2010/main" w="12700" cap="flat" cmpd="sng" algn="ctr">
+                <a:solidFill>
+                  <a:schemeClr val="accent1">
+                    <a:shade val="50000"/>
+                  </a:schemeClr>
+                </a:solidFill>
+                <a:prstDash val="solid"/>
+                <a:miter lim="800000"/>
+              </a14:hiddenLine>
+            </a:ext>
+          </a:extLst>
+        </p:spPr>
+        <p:style>
+          <a:lnRef idx="2">
+            <a:schemeClr val="accent1">
+              <a:shade val="50000"/>
+            </a:schemeClr>
+          </a:lnRef>
+          <a:fillRef idx="1">
+            <a:schemeClr val="accent1"/>
+          </a:fillRef>
+          <a:effectRef idx="0">
+            <a:schemeClr val="accent1"/>
+          </a:effectRef>
+          <a:fontRef idx="minor">
+            <a:schemeClr val="lt1"/>
+          </a:fontRef>
+        </p:style>
+        <p:txBody>
+          <a:bodyPr rtlCol="0" anchor="ctr"/>
+          <a:lstStyle/>
+          <a:p>
+            <a:pPr algn="ctr"/>
+            <a:endParaRPr lang="en-US"/>
+          </a:p>
+        </p:txBody>
+      </p:sp>
+      <p:sp>
+        <p:nvSpPr>
+          <p:cNvPr id="11" name="Oval 10">
+            <a:extLst>
+              <a:ext uri="{FF2B5EF4-FFF2-40B4-BE49-F238E27FC236}">
+                <a16:creationId xmlns:a16="http://schemas.microsoft.com/office/drawing/2014/main" id="{01A94AE6-0978-4A09-B78E-D60AC484231B}"/>
+              </a:ext>
+              <a:ext uri="{C183D7F6-B498-43B3-948B-1728B52AA6E4}">
+                <adec:decorative xmlns:adec="http://schemas.microsoft.com/office/drawing/2017/decorative" val="1"/>
+              </a:ext>
+            </a:extLst>
+          </p:cNvPr>
+          <p:cNvSpPr>
+            <a:spLocks noGrp="1" noRot="1" noChangeAspect="1" noMove="1" noResize="1" noEditPoints="1" noAdjustHandles="1" noChangeArrowheads="1" noChangeShapeType="1" noTextEdit="1"/>
+          </p:cNvSpPr>
+          <p:nvPr>
+            <p:extLst>
+              <p:ext uri="{386F3935-93C4-4BCD-93E2-E3B085C9AB24}">
+                <p16:designElem xmlns:p16="http://schemas.microsoft.com/office/powerpoint/2015/main" val="1"/>
+              </p:ext>
+            </p:extLst>
+          </p:nvPr>
+        </p:nvSpPr>
+        <p:spPr>
+          <a:xfrm>
+            <a:off x="733197" y="1113411"/>
+            <a:ext cx="4629606" cy="4629606"/>
+          </a:xfrm>
+          <a:prstGeom prst="ellipse">
+            <a:avLst/>
+          </a:prstGeom>
+          <a:solidFill>
+            <a:schemeClr val="tx1"/>
+          </a:solidFill>
+          <a:ln>
+            <a:noFill/>
+          </a:ln>
+        </p:spPr>
+        <p:style>
+          <a:lnRef idx="2">
+            <a:schemeClr val="accent1">
+              <a:shade val="50000"/>
+            </a:schemeClr>
+          </a:lnRef>
+          <a:fillRef idx="1">
+            <a:schemeClr val="accent1"/>
+          </a:fillRef>
+          <a:effectRef idx="0">
+            <a:schemeClr val="accent1"/>
+          </a:effectRef>
+          <a:fontRef idx="minor">
+            <a:schemeClr val="lt1"/>
+          </a:fontRef>
+        </p:style>
+        <p:txBody>
+          <a:bodyPr rtlCol="0" anchor="ctr"/>
+          <a:lstStyle/>
+          <a:p>
+            <a:pPr algn="ctr"/>
+            <a:endParaRPr lang="en-US"/>
+          </a:p>
+        </p:txBody>
+      </p:sp>
+      <p:sp>
+        <p:nvSpPr>
+          <p:cNvPr id="2" name="Title 1">
+            <a:extLst>
+              <a:ext uri="{FF2B5EF4-FFF2-40B4-BE49-F238E27FC236}">
+                <a16:creationId xmlns:a16="http://schemas.microsoft.com/office/drawing/2014/main" id="{5FAFD3A6-A040-235A-FAB0-249A77ED0E70}"/>
+              </a:ext>
+            </a:extLst>
+          </p:cNvPr>
+          <p:cNvSpPr>
+            <a:spLocks noGrp="1"/>
+          </p:cNvSpPr>
+          <p:nvPr>
+            <p:ph type="title"/>
+          </p:nvPr>
+        </p:nvSpPr>
+        <p:spPr>
+          <a:xfrm>
+            <a:off x="1207828" y="2286000"/>
+            <a:ext cx="3643951" cy="2286000"/>
+          </a:xfrm>
+        </p:spPr>
+        <p:txBody>
+          <a:bodyPr anchor="ctr">
+            <a:normAutofit/>
+          </a:bodyPr>
+          <a:lstStyle/>
+          <a:p>
+            <a:pPr algn="ctr"/>
+            <a:r>
+              <a:rPr lang="en-GB">
+                <a:solidFill>
+                  <a:schemeClr val="bg1"/>
+                </a:solidFill>
+              </a:rPr>
+              <a:t>Importance and motivation</a:t>
+            </a:r>
+            <a:endParaRPr lang="en-US">
+              <a:solidFill>
+                <a:schemeClr val="bg1"/>
+              </a:solidFill>
+            </a:endParaRPr>
+          </a:p>
+        </p:txBody>
+      </p:sp>
+      <p:graphicFrame>
+        <p:nvGraphicFramePr>
+          <p:cNvPr id="5" name="Content Placeholder 2">
+            <a:extLst>
+              <a:ext uri="{FF2B5EF4-FFF2-40B4-BE49-F238E27FC236}">
+                <a16:creationId xmlns:a16="http://schemas.microsoft.com/office/drawing/2014/main" id="{2023BD4E-0620-A7B7-3141-8D7DB3804259}"/>
+              </a:ext>
+            </a:extLst>
+          </p:cNvPr>
+          <p:cNvGraphicFramePr>
+            <a:graphicFrameLocks noGrp="1"/>
+          </p:cNvGraphicFramePr>
+          <p:nvPr>
+            <p:ph idx="1"/>
+            <p:extLst>
+              <p:ext uri="{D42A27DB-BD31-4B8C-83A1-F6EECF244321}">
+                <p14:modId xmlns:p14="http://schemas.microsoft.com/office/powerpoint/2010/main" val="3362886276"/>
+              </p:ext>
+            </p:extLst>
+          </p:nvPr>
+        </p:nvGraphicFramePr>
+        <p:xfrm>
+          <a:off x="6857999" y="762000"/>
+          <a:ext cx="4543197" cy="5393140"/>
+        </p:xfrm>
+        <a:graphic>
+          <a:graphicData uri="http://schemas.openxmlformats.org/drawingml/2006/diagram">
+            <dgm:relIds xmlns:dgm="http://schemas.openxmlformats.org/drawingml/2006/diagram" xmlns:r="http://schemas.openxmlformats.org/officeDocument/2006/relationships" r:dm="rId3" r:lo="rId4" r:qs="rId5" r:cs="rId6"/>
+          </a:graphicData>
+        </a:graphic>
+      </p:graphicFrame>
+    </p:spTree>
+    <p:extLst>
+      <p:ext uri="{BB962C8B-B14F-4D97-AF65-F5344CB8AC3E}">
+        <p14:creationId xmlns:p14="http://schemas.microsoft.com/office/powerpoint/2010/main" val="29910644"/>
+      </p:ext>
+    </p:extLst>
+  </p:cSld>
+  <p:clrMapOvr>
+    <a:masterClrMapping/>
+  </p:clrMapOvr>
+</p:sld>
+</file>
+
+<file path=ppt/slides/slide4.xml><?xml version="1.0" encoding="utf-8"?>
+<p:sld xmlns:a="http://schemas.openxmlformats.org/drawingml/2006/main" xmlns:r="http://schemas.openxmlformats.org/officeDocument/2006/relationships" xmlns:p="http://schemas.openxmlformats.org/presentationml/2006/main">
+  <p:cSld>
+    <p:bg>
+      <p:bgPr>
+        <a:solidFill>
+          <a:schemeClr val="bg1"/>
+        </a:solidFill>
+        <a:effectLst/>
+      </p:bgPr>
+    </p:bg>
+    <p:spTree>
+      <p:nvGrpSpPr>
+        <p:cNvPr id="1" name=""/>
+        <p:cNvGrpSpPr/>
+        <p:nvPr/>
+      </p:nvGrpSpPr>
+      <p:grpSpPr>
+        <a:xfrm>
+          <a:off x="0" y="0"/>
+          <a:ext cx="0" cy="0"/>
+          <a:chOff x="0" y="0"/>
+          <a:chExt cx="0" cy="0"/>
+        </a:xfrm>
+      </p:grpSpPr>
+      <p:sp useBgFill="1">
+        <p:nvSpPr>
+          <p:cNvPr id="20" name="Rectangle 19">
+            <a:extLst>
+              <a:ext uri="{FF2B5EF4-FFF2-40B4-BE49-F238E27FC236}">
+                <a16:creationId xmlns:a16="http://schemas.microsoft.com/office/drawing/2014/main" id="{48E9D7B4-B303-418D-82A2-7990FD75E6F5}"/>
+              </a:ext>
+              <a:ext uri="{C183D7F6-B498-43B3-948B-1728B52AA6E4}">
+                <adec:decorative xmlns:adec="http://schemas.microsoft.com/office/drawing/2017/decorative" val="1"/>
+              </a:ext>
+            </a:extLst>
+          </p:cNvPr>
+          <p:cNvSpPr>
+            <a:spLocks noGrp="1" noRot="1" noChangeAspect="1" noMove="1" noResize="1" noEditPoints="1" noAdjustHandles="1" noChangeArrowheads="1" noChangeShapeType="1" noTextEdit="1"/>
+          </p:cNvSpPr>
+          <p:nvPr>
+            <p:extLst>
+              <p:ext uri="{386F3935-93C4-4BCD-93E2-E3B085C9AB24}">
+                <p16:designElem xmlns:p16="http://schemas.microsoft.com/office/powerpoint/2015/main" val="1"/>
+              </p:ext>
+            </p:extLst>
+          </p:nvPr>
+        </p:nvSpPr>
+        <p:spPr>
+          <a:xfrm>
+            <a:off x="0" y="0"/>
+            <a:ext cx="12192000" cy="6858000"/>
+          </a:xfrm>
+          <a:prstGeom prst="rect">
+            <a:avLst/>
+          </a:prstGeom>
+          <a:ln w="12700" cap="flat" cmpd="sng" algn="ctr">
+            <a:noFill/>
+            <a:prstDash val="solid"/>
+            <a:miter lim="800000"/>
+          </a:ln>
+          <a:effectLst/>
+          <a:extLst>
+            <a:ext uri="{91240B29-F687-4F45-9708-019B960494DF}">
+              <a14:hiddenLine xmlns:a14="http://schemas.microsoft.com/office/drawing/2010/main" w="12700" cap="flat" cmpd="sng" algn="ctr">
+                <a:solidFill>
+                  <a:schemeClr val="accent1">
+                    <a:shade val="50000"/>
+                  </a:schemeClr>
+                </a:solidFill>
+                <a:prstDash val="solid"/>
+                <a:miter lim="800000"/>
+              </a14:hiddenLine>
+            </a:ext>
+          </a:extLst>
+        </p:spPr>
+        <p:style>
+          <a:lnRef idx="2">
+            <a:schemeClr val="accent1">
+              <a:shade val="50000"/>
+            </a:schemeClr>
+          </a:lnRef>
+          <a:fillRef idx="1">
+            <a:schemeClr val="accent1"/>
+          </a:fillRef>
+          <a:effectRef idx="0">
+            <a:schemeClr val="accent1"/>
+          </a:effectRef>
+          <a:fontRef idx="minor">
+            <a:schemeClr val="lt1"/>
+          </a:fontRef>
+        </p:style>
+        <p:txBody>
+          <a:bodyPr rtlCol="0" anchor="ctr"/>
+          <a:lstStyle/>
+          <a:p>
+            <a:pPr algn="ctr"/>
+            <a:endParaRPr lang="en-US"/>
+          </a:p>
+        </p:txBody>
+      </p:sp>
+      <p:pic>
+        <p:nvPicPr>
+          <p:cNvPr id="13" name="Picture 12" descr="A close-up of a graph&#10;&#10;Description automatically generated">
+            <a:extLst>
+              <a:ext uri="{FF2B5EF4-FFF2-40B4-BE49-F238E27FC236}">
+                <a16:creationId xmlns:a16="http://schemas.microsoft.com/office/drawing/2014/main" id="{8139C2B6-D160-64AE-0CFD-620891A35245}"/>
+              </a:ext>
+            </a:extLst>
+          </p:cNvPr>
+          <p:cNvPicPr>
+            <a:picLocks noChangeAspect="1"/>
+          </p:cNvPicPr>
+          <p:nvPr/>
+        </p:nvPicPr>
+        <p:blipFill>
+          <a:blip r:embed="rId3">
+            <a:extLst>
+              <a:ext uri="{28A0092B-C50C-407E-A947-70E740481C1C}">
+                <a14:useLocalDpi xmlns:a14="http://schemas.microsoft.com/office/drawing/2010/main" val="0"/>
+              </a:ext>
+            </a:extLst>
+          </a:blip>
+          <a:srcRect/>
+          <a:stretch/>
+        </p:blipFill>
+        <p:spPr>
+          <a:xfrm>
+            <a:off x="0" y="0"/>
+            <a:ext cx="12192000" cy="6858000"/>
+          </a:xfrm>
+          <a:prstGeom prst="rect">
+            <a:avLst/>
+          </a:prstGeom>
+        </p:spPr>
+      </p:pic>
+    </p:spTree>
+    <p:extLst>
+      <p:ext uri="{BB962C8B-B14F-4D97-AF65-F5344CB8AC3E}">
+        <p14:creationId xmlns:p14="http://schemas.microsoft.com/office/powerpoint/2010/main" val="748778081"/>
+      </p:ext>
+    </p:extLst>
+  </p:cSld>
+  <p:clrMapOvr>
+    <a:masterClrMapping/>
+  </p:clrMapOvr>
+</p:sld>
+</file>
+
+<file path=ppt/slides/slide5.xml><?xml version="1.0" encoding="utf-8"?>
+<p:sld xmlns:a="http://schemas.openxmlformats.org/drawingml/2006/main" xmlns:r="http://schemas.openxmlformats.org/officeDocument/2006/relationships" xmlns:p="http://schemas.openxmlformats.org/presentationml/2006/main">
+  <p:cSld>
+    <p:spTree>
+      <p:nvGrpSpPr>
+        <p:cNvPr id="1" name=""/>
+        <p:cNvGrpSpPr/>
+        <p:nvPr/>
+      </p:nvGrpSpPr>
+      <p:grpSpPr>
+        <a:xfrm>
+          <a:off x="0" y="0"/>
+          <a:ext cx="0" cy="0"/>
+          <a:chOff x="0" y="0"/>
+          <a:chExt cx="0" cy="0"/>
+        </a:xfrm>
+      </p:grpSpPr>
+      <p:sp>
+        <p:nvSpPr>
+          <p:cNvPr id="2" name="Title 1">
+            <a:extLst>
+              <a:ext uri="{FF2B5EF4-FFF2-40B4-BE49-F238E27FC236}">
+                <a16:creationId xmlns:a16="http://schemas.microsoft.com/office/drawing/2014/main" id="{E666F4FE-D1BF-5D81-26DD-6C8F4396080B}"/>
+              </a:ext>
+            </a:extLst>
+          </p:cNvPr>
+          <p:cNvSpPr>
+            <a:spLocks noGrp="1"/>
+          </p:cNvSpPr>
+          <p:nvPr>
+            <p:ph type="title"/>
+          </p:nvPr>
+        </p:nvSpPr>
+        <p:spPr/>
+        <p:txBody>
+          <a:bodyPr/>
+          <a:lstStyle/>
+          <a:p>
+            <a:r>
+              <a:rPr lang="en-GB" dirty="0"/>
+              <a:t>Algorithm</a:t>
+            </a:r>
+            <a:endParaRPr lang="en-US" dirty="0"/>
+          </a:p>
+        </p:txBody>
+      </p:sp>
+      <p:sp>
+        <p:nvSpPr>
+          <p:cNvPr id="3" name="Content Placeholder 2">
+            <a:extLst>
+              <a:ext uri="{FF2B5EF4-FFF2-40B4-BE49-F238E27FC236}">
+                <a16:creationId xmlns:a16="http://schemas.microsoft.com/office/drawing/2014/main" id="{7970CC1A-4178-9C5E-0164-47681DDDA81B}"/>
+              </a:ext>
+            </a:extLst>
+          </p:cNvPr>
+          <p:cNvSpPr>
+            <a:spLocks noGrp="1"/>
+          </p:cNvSpPr>
+          <p:nvPr>
+            <p:ph idx="1"/>
+          </p:nvPr>
+        </p:nvSpPr>
+        <p:spPr/>
+        <p:txBody>
+          <a:bodyPr/>
+          <a:lstStyle/>
+          <a:p>
+            <a:endParaRPr lang="en-US"/>
+          </a:p>
+        </p:txBody>
+      </p:sp>
+    </p:spTree>
+    <p:extLst>
+      <p:ext uri="{BB962C8B-B14F-4D97-AF65-F5344CB8AC3E}">
+        <p14:creationId xmlns:p14="http://schemas.microsoft.com/office/powerpoint/2010/main" val="3527444382"/>
+      </p:ext>
+    </p:extLst>
+  </p:cSld>
+  <p:clrMapOvr>
+    <a:masterClrMapping/>
   </p:clrMapOvr>
 </p:sld>
 </file>
@@ -4506,4 +8404,299 @@
     </a:ext>
   </a:extLst>
 </a:theme>
+</file>
+
+<file path=ppt/theme/theme2.xml><?xml version="1.0" encoding="utf-8"?>
+<a:theme xmlns:a="http://schemas.openxmlformats.org/drawingml/2006/main" name="Office Theme">
+  <a:themeElements>
+    <a:clrScheme name="Office">
+      <a:dk1>
+        <a:sysClr val="windowText" lastClr="000000"/>
+      </a:dk1>
+      <a:lt1>
+        <a:sysClr val="window" lastClr="FFFFFF"/>
+      </a:lt1>
+      <a:dk2>
+        <a:srgbClr val="44546A"/>
+      </a:dk2>
+      <a:lt2>
+        <a:srgbClr val="E7E6E6"/>
+      </a:lt2>
+      <a:accent1>
+        <a:srgbClr val="4472C4"/>
+      </a:accent1>
+      <a:accent2>
+        <a:srgbClr val="ED7D31"/>
+      </a:accent2>
+      <a:accent3>
+        <a:srgbClr val="A5A5A5"/>
+      </a:accent3>
+      <a:accent4>
+        <a:srgbClr val="FFC000"/>
+      </a:accent4>
+      <a:accent5>
+        <a:srgbClr val="5B9BD5"/>
+      </a:accent5>
+      <a:accent6>
+        <a:srgbClr val="70AD47"/>
+      </a:accent6>
+      <a:hlink>
+        <a:srgbClr val="0563C1"/>
+      </a:hlink>
+      <a:folHlink>
+        <a:srgbClr val="954F72"/>
+      </a:folHlink>
+    </a:clrScheme>
+    <a:fontScheme name="Office">
+      <a:majorFont>
+        <a:latin typeface="Calibri Light" panose="020F0302020204030204"/>
+        <a:ea typeface=""/>
+        <a:cs typeface=""/>
+        <a:font script="Jpan" typeface="游ゴシック Light"/>
+        <a:font script="Hang" typeface="맑은 고딕"/>
+        <a:font script="Hans" typeface="等线 Light"/>
+        <a:font script="Hant" typeface="新細明體"/>
+        <a:font script="Arab" typeface="Times New Roman"/>
+        <a:font script="Hebr" typeface="Times New Roman"/>
+        <a:font script="Thai" typeface="Angsana New"/>
+        <a:font script="Ethi" typeface="Nyala"/>
+        <a:font script="Beng" typeface="Vrinda"/>
+        <a:font script="Gujr" typeface="Shruti"/>
+        <a:font script="Khmr" typeface="MoolBoran"/>
+        <a:font script="Knda" typeface="Tunga"/>
+        <a:font script="Guru" typeface="Raavi"/>
+        <a:font script="Cans" typeface="Euphemia"/>
+        <a:font script="Cher" typeface="Plantagenet Cherokee"/>
+        <a:font script="Yiii" typeface="Microsoft Yi Baiti"/>
+        <a:font script="Tibt" typeface="Microsoft Himalaya"/>
+        <a:font script="Thaa" typeface="MV Boli"/>
+        <a:font script="Deva" typeface="Mangal"/>
+        <a:font script="Telu" typeface="Gautami"/>
+        <a:font script="Taml" typeface="Latha"/>
+        <a:font script="Syrc" typeface="Estrangelo Edessa"/>
+        <a:font script="Orya" typeface="Kalinga"/>
+        <a:font script="Mlym" typeface="Kartika"/>
+        <a:font script="Laoo" typeface="DokChampa"/>
+        <a:font script="Sinh" typeface="Iskoola Pota"/>
+        <a:font script="Mong" typeface="Mongolian Baiti"/>
+        <a:font script="Viet" typeface="Times New Roman"/>
+        <a:font script="Uigh" typeface="Microsoft Uighur"/>
+        <a:font script="Geor" typeface="Sylfaen"/>
+        <a:font script="Armn" typeface="Arial"/>
+        <a:font script="Bugi" typeface="Leelawadee UI"/>
+        <a:font script="Bopo" typeface="Microsoft JhengHei"/>
+        <a:font script="Java" typeface="Javanese Text"/>
+        <a:font script="Lisu" typeface="Segoe UI"/>
+        <a:font script="Mymr" typeface="Myanmar Text"/>
+        <a:font script="Nkoo" typeface="Ebrima"/>
+        <a:font script="Olck" typeface="Nirmala UI"/>
+        <a:font script="Osma" typeface="Ebrima"/>
+        <a:font script="Phag" typeface="Phagspa"/>
+        <a:font script="Syrn" typeface="Estrangelo Edessa"/>
+        <a:font script="Syrj" typeface="Estrangelo Edessa"/>
+        <a:font script="Syre" typeface="Estrangelo Edessa"/>
+        <a:font script="Sora" typeface="Nirmala UI"/>
+        <a:font script="Tale" typeface="Microsoft Tai Le"/>
+        <a:font script="Talu" typeface="Microsoft New Tai Lue"/>
+        <a:font script="Tfng" typeface="Ebrima"/>
+      </a:majorFont>
+      <a:minorFont>
+        <a:latin typeface="Calibri" panose="020F0502020204030204"/>
+        <a:ea typeface=""/>
+        <a:cs typeface=""/>
+        <a:font script="Jpan" typeface="游ゴシック"/>
+        <a:font script="Hang" typeface="맑은 고딕"/>
+        <a:font script="Hans" typeface="等线"/>
+        <a:font script="Hant" typeface="新細明體"/>
+        <a:font script="Arab" typeface="Arial"/>
+        <a:font script="Hebr" typeface="Arial"/>
+        <a:font script="Thai" typeface="Cordia New"/>
+        <a:font script="Ethi" typeface="Nyala"/>
+        <a:font script="Beng" typeface="Vrinda"/>
+        <a:font script="Gujr" typeface="Shruti"/>
+        <a:font script="Khmr" typeface="DaunPenh"/>
+        <a:font script="Knda" typeface="Tunga"/>
+        <a:font script="Guru" typeface="Raavi"/>
+        <a:font script="Cans" typeface="Euphemia"/>
+        <a:font script="Cher" typeface="Plantagenet Cherokee"/>
+        <a:font script="Yiii" typeface="Microsoft Yi Baiti"/>
+        <a:font script="Tibt" typeface="Microsoft Himalaya"/>
+        <a:font script="Thaa" typeface="MV Boli"/>
+        <a:font script="Deva" typeface="Mangal"/>
+        <a:font script="Telu" typeface="Gautami"/>
+        <a:font script="Taml" typeface="Latha"/>
+        <a:font script="Syrc" typeface="Estrangelo Edessa"/>
+        <a:font script="Orya" typeface="Kalinga"/>
+        <a:font script="Mlym" typeface="Kartika"/>
+        <a:font script="Laoo" typeface="DokChampa"/>
+        <a:font script="Sinh" typeface="Iskoola Pota"/>
+        <a:font script="Mong" typeface="Mongolian Baiti"/>
+        <a:font script="Viet" typeface="Arial"/>
+        <a:font script="Uigh" typeface="Microsoft Uighur"/>
+        <a:font script="Geor" typeface="Sylfaen"/>
+        <a:font script="Armn" typeface="Arial"/>
+        <a:font script="Bugi" typeface="Leelawadee UI"/>
+        <a:font script="Bopo" typeface="Microsoft JhengHei"/>
+        <a:font script="Java" typeface="Javanese Text"/>
+        <a:font script="Lisu" typeface="Segoe UI"/>
+        <a:font script="Mymr" typeface="Myanmar Text"/>
+        <a:font script="Nkoo" typeface="Ebrima"/>
+        <a:font script="Olck" typeface="Nirmala UI"/>
+        <a:font script="Osma" typeface="Ebrima"/>
+        <a:font script="Phag" typeface="Phagspa"/>
+        <a:font script="Syrn" typeface="Estrangelo Edessa"/>
+        <a:font script="Syrj" typeface="Estrangelo Edessa"/>
+        <a:font script="Syre" typeface="Estrangelo Edessa"/>
+        <a:font script="Sora" typeface="Nirmala UI"/>
+        <a:font script="Tale" typeface="Microsoft Tai Le"/>
+        <a:font script="Talu" typeface="Microsoft New Tai Lue"/>
+        <a:font script="Tfng" typeface="Ebrima"/>
+      </a:minorFont>
+    </a:fontScheme>
+    <a:fmtScheme name="Office">
+      <a:fillStyleLst>
+        <a:solidFill>
+          <a:schemeClr val="phClr"/>
+        </a:solidFill>
+        <a:gradFill rotWithShape="1">
+          <a:gsLst>
+            <a:gs pos="0">
+              <a:schemeClr val="phClr">
+                <a:lumMod val="110000"/>
+                <a:satMod val="105000"/>
+                <a:tint val="67000"/>
+              </a:schemeClr>
+            </a:gs>
+            <a:gs pos="50000">
+              <a:schemeClr val="phClr">
+                <a:lumMod val="105000"/>
+                <a:satMod val="103000"/>
+                <a:tint val="73000"/>
+              </a:schemeClr>
+            </a:gs>
+            <a:gs pos="100000">
+              <a:schemeClr val="phClr">
+                <a:lumMod val="105000"/>
+                <a:satMod val="109000"/>
+                <a:tint val="81000"/>
+              </a:schemeClr>
+            </a:gs>
+          </a:gsLst>
+          <a:lin ang="5400000" scaled="0"/>
+        </a:gradFill>
+        <a:gradFill rotWithShape="1">
+          <a:gsLst>
+            <a:gs pos="0">
+              <a:schemeClr val="phClr">
+                <a:satMod val="103000"/>
+                <a:lumMod val="102000"/>
+                <a:tint val="94000"/>
+              </a:schemeClr>
+            </a:gs>
+            <a:gs pos="50000">
+              <a:schemeClr val="phClr">
+                <a:satMod val="110000"/>
+                <a:lumMod val="100000"/>
+                <a:shade val="100000"/>
+              </a:schemeClr>
+            </a:gs>
+            <a:gs pos="100000">
+              <a:schemeClr val="phClr">
+                <a:lumMod val="99000"/>
+                <a:satMod val="120000"/>
+                <a:shade val="78000"/>
+              </a:schemeClr>
+            </a:gs>
+          </a:gsLst>
+          <a:lin ang="5400000" scaled="0"/>
+        </a:gradFill>
+      </a:fillStyleLst>
+      <a:lnStyleLst>
+        <a:ln w="6350" cap="flat" cmpd="sng" algn="ctr">
+          <a:solidFill>
+            <a:schemeClr val="phClr"/>
+          </a:solidFill>
+          <a:prstDash val="solid"/>
+          <a:miter lim="800000"/>
+        </a:ln>
+        <a:ln w="12700" cap="flat" cmpd="sng" algn="ctr">
+          <a:solidFill>
+            <a:schemeClr val="phClr"/>
+          </a:solidFill>
+          <a:prstDash val="solid"/>
+          <a:miter lim="800000"/>
+        </a:ln>
+        <a:ln w="19050" cap="flat" cmpd="sng" algn="ctr">
+          <a:solidFill>
+            <a:schemeClr val="phClr"/>
+          </a:solidFill>
+          <a:prstDash val="solid"/>
+          <a:miter lim="800000"/>
+        </a:ln>
+      </a:lnStyleLst>
+      <a:effectStyleLst>
+        <a:effectStyle>
+          <a:effectLst/>
+        </a:effectStyle>
+        <a:effectStyle>
+          <a:effectLst/>
+        </a:effectStyle>
+        <a:effectStyle>
+          <a:effectLst>
+            <a:outerShdw blurRad="57150" dist="19050" dir="5400000" algn="ctr" rotWithShape="0">
+              <a:srgbClr val="000000">
+                <a:alpha val="63000"/>
+              </a:srgbClr>
+            </a:outerShdw>
+          </a:effectLst>
+        </a:effectStyle>
+      </a:effectStyleLst>
+      <a:bgFillStyleLst>
+        <a:solidFill>
+          <a:schemeClr val="phClr"/>
+        </a:solidFill>
+        <a:solidFill>
+          <a:schemeClr val="phClr">
+            <a:tint val="95000"/>
+            <a:satMod val="170000"/>
+          </a:schemeClr>
+        </a:solidFill>
+        <a:gradFill rotWithShape="1">
+          <a:gsLst>
+            <a:gs pos="0">
+              <a:schemeClr val="phClr">
+                <a:tint val="93000"/>
+                <a:satMod val="150000"/>
+                <a:shade val="98000"/>
+                <a:lumMod val="102000"/>
+              </a:schemeClr>
+            </a:gs>
+            <a:gs pos="50000">
+              <a:schemeClr val="phClr">
+                <a:tint val="98000"/>
+                <a:satMod val="130000"/>
+                <a:shade val="90000"/>
+                <a:lumMod val="103000"/>
+              </a:schemeClr>
+            </a:gs>
+            <a:gs pos="100000">
+              <a:schemeClr val="phClr">
+                <a:shade val="63000"/>
+                <a:satMod val="120000"/>
+              </a:schemeClr>
+            </a:gs>
+          </a:gsLst>
+          <a:lin ang="5400000" scaled="0"/>
+        </a:gradFill>
+      </a:bgFillStyleLst>
+    </a:fmtScheme>
+  </a:themeElements>
+  <a:objectDefaults/>
+  <a:extraClrSchemeLst/>
+  <a:extLst>
+    <a:ext uri="{05A4C25C-085E-4340-85A3-A5531E510DB2}">
+      <thm15:themeFamily xmlns:thm15="http://schemas.microsoft.com/office/thememl/2012/main" name="Office Theme" id="{62F939B6-93AF-4DB8-9C6B-D6C7DFDC589F}" vid="{4A3C46E8-61CC-4603-A589-7422A47A8E4A}"/>
+    </a:ext>
+  </a:extLst>
+</a:theme>
 </file>